--- a/schematics/Thermostat Filtering for Anticipation.pptx
+++ b/schematics/Thermostat Filtering for Anticipation.pptx
@@ -5,25 +5,24 @@
     <p:sldMasterId id="2147483664" r:id="rId1"/>
   </p:sldMasterIdLst>
   <p:notesMasterIdLst>
-    <p:notesMasterId r:id="rId15"/>
+    <p:notesMasterId r:id="rId14"/>
   </p:notesMasterIdLst>
   <p:handoutMasterIdLst>
-    <p:handoutMasterId r:id="rId16"/>
+    <p:handoutMasterId r:id="rId15"/>
   </p:handoutMasterIdLst>
   <p:sldIdLst>
     <p:sldId id="286" r:id="rId2"/>
     <p:sldId id="291" r:id="rId3"/>
     <p:sldId id="292" r:id="rId4"/>
     <p:sldId id="293" r:id="rId5"/>
-    <p:sldId id="294" r:id="rId6"/>
-    <p:sldId id="298" r:id="rId7"/>
-    <p:sldId id="295" r:id="rId8"/>
-    <p:sldId id="296" r:id="rId9"/>
-    <p:sldId id="297" r:id="rId10"/>
-    <p:sldId id="281" r:id="rId11"/>
-    <p:sldId id="288" r:id="rId12"/>
-    <p:sldId id="287" r:id="rId13"/>
-    <p:sldId id="290" r:id="rId14"/>
+    <p:sldId id="298" r:id="rId6"/>
+    <p:sldId id="295" r:id="rId7"/>
+    <p:sldId id="296" r:id="rId8"/>
+    <p:sldId id="297" r:id="rId9"/>
+    <p:sldId id="281" r:id="rId10"/>
+    <p:sldId id="288" r:id="rId11"/>
+    <p:sldId id="287" r:id="rId12"/>
+    <p:sldId id="290" r:id="rId13"/>
   </p:sldIdLst>
   <p:sldSz cx="9144000" cy="6858000" type="screen4x3"/>
   <p:notesSz cx="7315200" cy="9601200"/>
@@ -3670,7 +3669,15 @@
           <a:p>
             <a:r>
               <a:rPr lang="en-US" dirty="0" smtClean="0"/>
-              <a:t>Dave Gutz 27-Jan-2016</a:t>
+              <a:t>Dave </a:t>
+            </a:r>
+            <a:r>
+              <a:rPr lang="en-US" smtClean="0"/>
+              <a:t>Gutz </a:t>
+            </a:r>
+            <a:r>
+              <a:rPr lang="en-US" smtClean="0"/>
+              <a:t>28-Jan-2016</a:t>
             </a:r>
             <a:endParaRPr lang="en-US" dirty="0"/>
           </a:p>
@@ -3692,69 +3699,6 @@
 </file>
 
 <file path=ppt/slides/slide10.xml><?xml version="1.0" encoding="utf-8"?>
-<p:sld xmlns:a="http://schemas.openxmlformats.org/drawingml/2006/main" xmlns:r="http://schemas.openxmlformats.org/officeDocument/2006/relationships" xmlns:p="http://schemas.openxmlformats.org/presentationml/2006/main" showMasterSp="0">
-  <p:cSld>
-    <p:bg>
-      <p:bgPr>
-        <a:solidFill>
-          <a:schemeClr val="accent5"/>
-        </a:solidFill>
-        <a:effectLst/>
-      </p:bgPr>
-    </p:bg>
-    <p:spTree>
-      <p:nvGrpSpPr>
-        <p:cNvPr id="1" name=""/>
-        <p:cNvGrpSpPr/>
-        <p:nvPr/>
-      </p:nvGrpSpPr>
-      <p:grpSpPr>
-        <a:xfrm>
-          <a:off x="0" y="0"/>
-          <a:ext cx="0" cy="0"/>
-          <a:chOff x="0" y="0"/>
-          <a:chExt cx="0" cy="0"/>
-        </a:xfrm>
-      </p:grpSpPr>
-      <p:sp>
-        <p:nvSpPr>
-          <p:cNvPr id="663564" name="Rectangle 12"/>
-          <p:cNvSpPr>
-            <a:spLocks noGrp="1" noChangeArrowheads="1"/>
-          </p:cNvSpPr>
-          <p:nvPr>
-            <p:ph type="title"/>
-          </p:nvPr>
-        </p:nvSpPr>
-        <p:spPr/>
-        <p:txBody>
-          <a:bodyPr/>
-          <a:lstStyle/>
-          <a:p>
-            <a:r>
-              <a:rPr lang="en-US" cap="none" dirty="0"/>
-              <a:t>Use divider slides to separate different sections of your pitch</a:t>
-            </a:r>
-            <a:endParaRPr lang="en-US" dirty="0"/>
-          </a:p>
-        </p:txBody>
-      </p:sp>
-    </p:spTree>
-  </p:cSld>
-  <p:clrMapOvr>
-    <a:masterClrMapping/>
-  </p:clrMapOvr>
-  <p:timing>
-    <p:tnLst>
-      <p:par>
-        <p:cTn id="1" dur="indefinite" restart="never" nodeType="tmRoot"/>
-      </p:par>
-    </p:tnLst>
-  </p:timing>
-</p:sld>
-</file>
-
-<file path=ppt/slides/slide11.xml><?xml version="1.0" encoding="utf-8"?>
 <p:sld xmlns:a="http://schemas.openxmlformats.org/drawingml/2006/main" xmlns:r="http://schemas.openxmlformats.org/officeDocument/2006/relationships" xmlns:p="http://schemas.openxmlformats.org/presentationml/2006/main" showMasterSp="0">
   <p:cSld>
     <p:bg>
@@ -3817,7 +3761,7 @@
 </p:sld>
 </file>
 
-<file path=ppt/slides/slide12.xml><?xml version="1.0" encoding="utf-8"?>
+<file path=ppt/slides/slide11.xml><?xml version="1.0" encoding="utf-8"?>
 <p:sld xmlns:a="http://schemas.openxmlformats.org/drawingml/2006/main" xmlns:r="http://schemas.openxmlformats.org/officeDocument/2006/relationships" xmlns:p="http://schemas.openxmlformats.org/presentationml/2006/main" showMasterSp="0">
   <p:cSld>
     <p:bg>
@@ -3880,7 +3824,7 @@
 </p:sld>
 </file>
 
-<file path=ppt/slides/slide13.xml><?xml version="1.0" encoding="utf-8"?>
+<file path=ppt/slides/slide12.xml><?xml version="1.0" encoding="utf-8"?>
 <p:sld xmlns:a="http://schemas.openxmlformats.org/drawingml/2006/main" xmlns:r="http://schemas.openxmlformats.org/officeDocument/2006/relationships" xmlns:p="http://schemas.openxmlformats.org/presentationml/2006/main">
   <p:cSld>
     <p:spTree>
@@ -5579,7 +5523,7 @@
           <a:graphicData uri="http://schemas.openxmlformats.org/presentationml/2006/ole">
             <mc:AlternateContent xmlns:mc="http://schemas.openxmlformats.org/markup-compatibility/2006">
               <mc:Choice xmlns:v="urn:schemas-microsoft-com:vml" Requires="v">
-                <p:oleObj spid="_x0000_s791559" name="Packager Shell Object" showAsIcon="1" r:id="rId3" imgW="1805040" imgH="685440" progId="Package">
+                <p:oleObj spid="_x0000_s791561" name="Packager Shell Object" showAsIcon="1" r:id="rId3" imgW="1805040" imgH="685440" progId="Package">
                   <p:embed/>
                 </p:oleObj>
               </mc:Choice>
@@ -5646,7 +5590,7 @@
       </p:grpSpPr>
       <p:pic>
         <p:nvPicPr>
-          <p:cNvPr id="792578" name="Picture 2"/>
+          <p:cNvPr id="2" name="Picture 2"/>
           <p:cNvPicPr>
             <a:picLocks noChangeAspect="1" noChangeArrowheads="1"/>
           </p:cNvPicPr>
@@ -5667,8 +5611,8 @@
         </p:blipFill>
         <p:spPr bwMode="auto">
           <a:xfrm>
-            <a:off x="78769" y="696190"/>
-            <a:ext cx="8940973" cy="5571259"/>
+            <a:off x="871538" y="481013"/>
+            <a:ext cx="7400925" cy="5895975"/>
           </a:xfrm>
           <a:prstGeom prst="rect">
             <a:avLst/>
@@ -5832,100 +5776,6 @@
           <a:chExt cx="0" cy="0"/>
         </a:xfrm>
       </p:grpSpPr>
-      <p:pic>
-        <p:nvPicPr>
-          <p:cNvPr id="788482" name="Picture 2"/>
-          <p:cNvPicPr>
-            <a:picLocks noChangeAspect="1" noChangeArrowheads="1"/>
-          </p:cNvPicPr>
-          <p:nvPr/>
-        </p:nvPicPr>
-        <p:blipFill>
-          <a:blip r:embed="rId2">
-            <a:extLst>
-              <a:ext uri="{28A0092B-C50C-407E-A947-70E740481C1C}">
-                <a14:useLocalDpi xmlns:a14="http://schemas.microsoft.com/office/drawing/2010/main" val="0"/>
-              </a:ext>
-            </a:extLst>
-          </a:blip>
-          <a:srcRect/>
-          <a:stretch>
-            <a:fillRect/>
-          </a:stretch>
-        </p:blipFill>
-        <p:spPr bwMode="auto">
-          <a:xfrm>
-            <a:off x="0" y="561108"/>
-            <a:ext cx="8907621" cy="5550477"/>
-          </a:xfrm>
-          <a:prstGeom prst="rect">
-            <a:avLst/>
-          </a:prstGeom>
-          <a:noFill/>
-          <a:ln>
-            <a:noFill/>
-          </a:ln>
-          <a:effectLst/>
-          <a:extLst>
-            <a:ext uri="{909E8E84-426E-40DD-AFC4-6F175D3DCCD1}">
-              <a14:hiddenFill xmlns:a14="http://schemas.microsoft.com/office/drawing/2010/main">
-                <a:solidFill>
-                  <a:schemeClr val="accent1"/>
-                </a:solidFill>
-              </a14:hiddenFill>
-            </a:ext>
-            <a:ext uri="{91240B29-F687-4F45-9708-019B960494DF}">
-              <a14:hiddenLine xmlns:a14="http://schemas.microsoft.com/office/drawing/2010/main" w="9525">
-                <a:solidFill>
-                  <a:schemeClr val="tx1"/>
-                </a:solidFill>
-                <a:miter lim="800000"/>
-                <a:headEnd/>
-                <a:tailEnd/>
-              </a14:hiddenLine>
-            </a:ext>
-            <a:ext uri="{AF507438-7753-43E0-B8FC-AC1667EBCBE1}">
-              <a14:hiddenEffects xmlns:a14="http://schemas.microsoft.com/office/drawing/2010/main">
-                <a:effectLst>
-                  <a:outerShdw dist="35921" dir="2700000" algn="ctr" rotWithShape="0">
-                    <a:schemeClr val="bg2"/>
-                  </a:outerShdw>
-                </a:effectLst>
-              </a14:hiddenEffects>
-            </a:ext>
-          </a:extLst>
-        </p:spPr>
-      </p:pic>
-    </p:spTree>
-    <p:extLst>
-      <p:ext uri="{BB962C8B-B14F-4D97-AF65-F5344CB8AC3E}">
-        <p14:creationId xmlns:p14="http://schemas.microsoft.com/office/powerpoint/2010/main" val="2652425239"/>
-      </p:ext>
-    </p:extLst>
-  </p:cSld>
-  <p:clrMapOvr>
-    <a:masterClrMapping/>
-  </p:clrMapOvr>
-</p:sld>
-</file>
-
-<file path=ppt/slides/slide6.xml><?xml version="1.0" encoding="utf-8"?>
-<p:sld xmlns:a="http://schemas.openxmlformats.org/drawingml/2006/main" xmlns:r="http://schemas.openxmlformats.org/officeDocument/2006/relationships" xmlns:p="http://schemas.openxmlformats.org/presentationml/2006/main">
-  <p:cSld>
-    <p:spTree>
-      <p:nvGrpSpPr>
-        <p:cNvPr id="1" name=""/>
-        <p:cNvGrpSpPr/>
-        <p:nvPr/>
-      </p:nvGrpSpPr>
-      <p:grpSpPr>
-        <a:xfrm>
-          <a:off x="0" y="0"/>
-          <a:ext cx="0" cy="0"/>
-          <a:chOff x="0" y="0"/>
-          <a:chExt cx="0" cy="0"/>
-        </a:xfrm>
-      </p:grpSpPr>
       <p:sp>
         <p:nvSpPr>
           <p:cNvPr id="2" name="Title 1"/>
@@ -6648,7 +6498,7 @@
 </p:sld>
 </file>
 
-<file path=ppt/slides/slide7.xml><?xml version="1.0" encoding="utf-8"?>
+<file path=ppt/slides/slide6.xml><?xml version="1.0" encoding="utf-8"?>
 <p:sld xmlns:a="http://schemas.openxmlformats.org/drawingml/2006/main" xmlns:r="http://schemas.openxmlformats.org/officeDocument/2006/relationships" xmlns:p="http://schemas.openxmlformats.org/presentationml/2006/main">
   <p:cSld>
     <p:spTree>
@@ -6732,7 +6582,7 @@
 </p:sld>
 </file>
 
-<file path=ppt/slides/slide8.xml><?xml version="1.0" encoding="utf-8"?>
+<file path=ppt/slides/slide7.xml><?xml version="1.0" encoding="utf-8"?>
 <p:sld xmlns:a="http://schemas.openxmlformats.org/drawingml/2006/main" xmlns:r="http://schemas.openxmlformats.org/officeDocument/2006/relationships" xmlns:p="http://schemas.openxmlformats.org/presentationml/2006/main">
   <p:cSld>
     <p:spTree>
@@ -6854,7 +6704,7 @@
 </p:sld>
 </file>
 
-<file path=ppt/slides/slide9.xml><?xml version="1.0" encoding="utf-8"?>
+<file path=ppt/slides/slide8.xml><?xml version="1.0" encoding="utf-8"?>
 <p:sld xmlns:a="http://schemas.openxmlformats.org/drawingml/2006/main" xmlns:r="http://schemas.openxmlformats.org/officeDocument/2006/relationships" xmlns:p="http://schemas.openxmlformats.org/presentationml/2006/main">
   <p:cSld>
     <p:spTree>
@@ -6971,6 +6821,69 @@
   <p:clrMapOvr>
     <a:masterClrMapping/>
   </p:clrMapOvr>
+</p:sld>
+</file>
+
+<file path=ppt/slides/slide9.xml><?xml version="1.0" encoding="utf-8"?>
+<p:sld xmlns:a="http://schemas.openxmlformats.org/drawingml/2006/main" xmlns:r="http://schemas.openxmlformats.org/officeDocument/2006/relationships" xmlns:p="http://schemas.openxmlformats.org/presentationml/2006/main" showMasterSp="0">
+  <p:cSld>
+    <p:bg>
+      <p:bgPr>
+        <a:solidFill>
+          <a:schemeClr val="accent5"/>
+        </a:solidFill>
+        <a:effectLst/>
+      </p:bgPr>
+    </p:bg>
+    <p:spTree>
+      <p:nvGrpSpPr>
+        <p:cNvPr id="1" name=""/>
+        <p:cNvGrpSpPr/>
+        <p:nvPr/>
+      </p:nvGrpSpPr>
+      <p:grpSpPr>
+        <a:xfrm>
+          <a:off x="0" y="0"/>
+          <a:ext cx="0" cy="0"/>
+          <a:chOff x="0" y="0"/>
+          <a:chExt cx="0" cy="0"/>
+        </a:xfrm>
+      </p:grpSpPr>
+      <p:sp>
+        <p:nvSpPr>
+          <p:cNvPr id="663564" name="Rectangle 12"/>
+          <p:cNvSpPr>
+            <a:spLocks noGrp="1" noChangeArrowheads="1"/>
+          </p:cNvSpPr>
+          <p:nvPr>
+            <p:ph type="title"/>
+          </p:nvPr>
+        </p:nvSpPr>
+        <p:spPr/>
+        <p:txBody>
+          <a:bodyPr/>
+          <a:lstStyle/>
+          <a:p>
+            <a:r>
+              <a:rPr lang="en-US" cap="none" dirty="0"/>
+              <a:t>Use divider slides to separate different sections of your pitch</a:t>
+            </a:r>
+            <a:endParaRPr lang="en-US" dirty="0"/>
+          </a:p>
+        </p:txBody>
+      </p:sp>
+    </p:spTree>
+  </p:cSld>
+  <p:clrMapOvr>
+    <a:masterClrMapping/>
+  </p:clrMapOvr>
+  <p:timing>
+    <p:tnLst>
+      <p:par>
+        <p:cTn id="1" dur="indefinite" restart="never" nodeType="tmRoot"/>
+      </p:par>
+    </p:tnLst>
+  </p:timing>
 </p:sld>
 </file>
 

--- a/schematics/Thermostat Filtering for Anticipation.pptx
+++ b/schematics/Thermostat Filtering for Anticipation.pptx
@@ -5,10 +5,10 @@
     <p:sldMasterId id="2147483664" r:id="rId1"/>
   </p:sldMasterIdLst>
   <p:notesMasterIdLst>
-    <p:notesMasterId r:id="rId14"/>
+    <p:notesMasterId r:id="rId11"/>
   </p:notesMasterIdLst>
   <p:handoutMasterIdLst>
-    <p:handoutMasterId r:id="rId15"/>
+    <p:handoutMasterId r:id="rId12"/>
   </p:handoutMasterIdLst>
   <p:sldIdLst>
     <p:sldId id="286" r:id="rId2"/>
@@ -16,13 +16,10 @@
     <p:sldId id="292" r:id="rId4"/>
     <p:sldId id="293" r:id="rId5"/>
     <p:sldId id="298" r:id="rId6"/>
-    <p:sldId id="295" r:id="rId7"/>
-    <p:sldId id="296" r:id="rId8"/>
-    <p:sldId id="297" r:id="rId9"/>
-    <p:sldId id="281" r:id="rId10"/>
-    <p:sldId id="288" r:id="rId11"/>
-    <p:sldId id="287" r:id="rId12"/>
-    <p:sldId id="290" r:id="rId13"/>
+    <p:sldId id="296" r:id="rId7"/>
+    <p:sldId id="299" r:id="rId8"/>
+    <p:sldId id="300" r:id="rId9"/>
+    <p:sldId id="297" r:id="rId10"/>
   </p:sldIdLst>
   <p:sldSz cx="9144000" cy="6858000" type="screen4x3"/>
   <p:notesSz cx="7315200" cy="9601200"/>
@@ -697,238 +694,6 @@
       <p:sp>
         <p:nvSpPr>
           <p:cNvPr id="772099" name="Rectangle 3"/>
-          <p:cNvSpPr>
-            <a:spLocks noGrp="1" noChangeArrowheads="1"/>
-          </p:cNvSpPr>
-          <p:nvPr>
-            <p:ph type="body" idx="1"/>
-          </p:nvPr>
-        </p:nvSpPr>
-        <p:spPr/>
-        <p:txBody>
-          <a:bodyPr/>
-          <a:lstStyle/>
-          <a:p>
-            <a:endParaRPr lang="en-US"/>
-          </a:p>
-        </p:txBody>
-      </p:sp>
-    </p:spTree>
-  </p:cSld>
-  <p:clrMapOvr>
-    <a:masterClrMapping/>
-  </p:clrMapOvr>
-</p:notes>
-</file>
-
-<file path=ppt/notesSlides/notesSlide2.xml><?xml version="1.0" encoding="utf-8"?>
-<p:notes xmlns:a="http://schemas.openxmlformats.org/drawingml/2006/main" xmlns:r="http://schemas.openxmlformats.org/officeDocument/2006/relationships" xmlns:p="http://schemas.openxmlformats.org/presentationml/2006/main">
-  <p:cSld>
-    <p:spTree>
-      <p:nvGrpSpPr>
-        <p:cNvPr id="1" name=""/>
-        <p:cNvGrpSpPr/>
-        <p:nvPr/>
-      </p:nvGrpSpPr>
-      <p:grpSpPr>
-        <a:xfrm>
-          <a:off x="0" y="0"/>
-          <a:ext cx="0" cy="0"/>
-          <a:chOff x="0" y="0"/>
-          <a:chExt cx="0" cy="0"/>
-        </a:xfrm>
-      </p:grpSpPr>
-      <p:sp>
-        <p:nvSpPr>
-          <p:cNvPr id="723970" name="Rectangle 2"/>
-          <p:cNvSpPr>
-            <a:spLocks noGrp="1" noRot="1" noChangeAspect="1" noChangeArrowheads="1" noTextEdit="1"/>
-          </p:cNvSpPr>
-          <p:nvPr>
-            <p:ph type="sldImg"/>
-          </p:nvPr>
-        </p:nvSpPr>
-        <p:spPr>
-          <a:ln/>
-        </p:spPr>
-      </p:sp>
-      <p:sp>
-        <p:nvSpPr>
-          <p:cNvPr id="723971" name="Rectangle 3"/>
-          <p:cNvSpPr>
-            <a:spLocks noGrp="1" noChangeArrowheads="1"/>
-          </p:cNvSpPr>
-          <p:nvPr>
-            <p:ph type="body" idx="1"/>
-          </p:nvPr>
-        </p:nvSpPr>
-        <p:spPr/>
-        <p:txBody>
-          <a:bodyPr/>
-          <a:lstStyle/>
-          <a:p>
-            <a:endParaRPr lang="en-US"/>
-          </a:p>
-        </p:txBody>
-      </p:sp>
-    </p:spTree>
-  </p:cSld>
-  <p:clrMapOvr>
-    <a:masterClrMapping/>
-  </p:clrMapOvr>
-</p:notes>
-</file>
-
-<file path=ppt/notesSlides/notesSlide3.xml><?xml version="1.0" encoding="utf-8"?>
-<p:notes xmlns:a="http://schemas.openxmlformats.org/drawingml/2006/main" xmlns:r="http://schemas.openxmlformats.org/officeDocument/2006/relationships" xmlns:p="http://schemas.openxmlformats.org/presentationml/2006/main">
-  <p:cSld>
-    <p:spTree>
-      <p:nvGrpSpPr>
-        <p:cNvPr id="1" name=""/>
-        <p:cNvGrpSpPr/>
-        <p:nvPr/>
-      </p:nvGrpSpPr>
-      <p:grpSpPr>
-        <a:xfrm>
-          <a:off x="0" y="0"/>
-          <a:ext cx="0" cy="0"/>
-          <a:chOff x="0" y="0"/>
-          <a:chExt cx="0" cy="0"/>
-        </a:xfrm>
-      </p:grpSpPr>
-      <p:sp>
-        <p:nvSpPr>
-          <p:cNvPr id="736258" name="Rectangle 2"/>
-          <p:cNvSpPr>
-            <a:spLocks noGrp="1" noRot="1" noChangeAspect="1" noChangeArrowheads="1" noTextEdit="1"/>
-          </p:cNvSpPr>
-          <p:nvPr>
-            <p:ph type="sldImg"/>
-          </p:nvPr>
-        </p:nvSpPr>
-        <p:spPr>
-          <a:ln/>
-        </p:spPr>
-      </p:sp>
-      <p:sp>
-        <p:nvSpPr>
-          <p:cNvPr id="736259" name="Rectangle 3"/>
-          <p:cNvSpPr>
-            <a:spLocks noGrp="1" noChangeArrowheads="1"/>
-          </p:cNvSpPr>
-          <p:nvPr>
-            <p:ph type="body" idx="1"/>
-          </p:nvPr>
-        </p:nvSpPr>
-        <p:spPr/>
-        <p:txBody>
-          <a:bodyPr/>
-          <a:lstStyle/>
-          <a:p>
-            <a:endParaRPr lang="en-US"/>
-          </a:p>
-        </p:txBody>
-      </p:sp>
-    </p:spTree>
-  </p:cSld>
-  <p:clrMapOvr>
-    <a:masterClrMapping/>
-  </p:clrMapOvr>
-</p:notes>
-</file>
-
-<file path=ppt/notesSlides/notesSlide4.xml><?xml version="1.0" encoding="utf-8"?>
-<p:notes xmlns:a="http://schemas.openxmlformats.org/drawingml/2006/main" xmlns:r="http://schemas.openxmlformats.org/officeDocument/2006/relationships" xmlns:p="http://schemas.openxmlformats.org/presentationml/2006/main">
-  <p:cSld>
-    <p:spTree>
-      <p:nvGrpSpPr>
-        <p:cNvPr id="1" name=""/>
-        <p:cNvGrpSpPr/>
-        <p:nvPr/>
-      </p:nvGrpSpPr>
-      <p:grpSpPr>
-        <a:xfrm>
-          <a:off x="0" y="0"/>
-          <a:ext cx="0" cy="0"/>
-          <a:chOff x="0" y="0"/>
-          <a:chExt cx="0" cy="0"/>
-        </a:xfrm>
-      </p:grpSpPr>
-      <p:sp>
-        <p:nvSpPr>
-          <p:cNvPr id="734210" name="Rectangle 2"/>
-          <p:cNvSpPr>
-            <a:spLocks noGrp="1" noRot="1" noChangeAspect="1" noChangeArrowheads="1" noTextEdit="1"/>
-          </p:cNvSpPr>
-          <p:nvPr>
-            <p:ph type="sldImg"/>
-          </p:nvPr>
-        </p:nvSpPr>
-        <p:spPr>
-          <a:ln/>
-        </p:spPr>
-      </p:sp>
-      <p:sp>
-        <p:nvSpPr>
-          <p:cNvPr id="734211" name="Rectangle 3"/>
-          <p:cNvSpPr>
-            <a:spLocks noGrp="1" noChangeArrowheads="1"/>
-          </p:cNvSpPr>
-          <p:nvPr>
-            <p:ph type="body" idx="1"/>
-          </p:nvPr>
-        </p:nvSpPr>
-        <p:spPr/>
-        <p:txBody>
-          <a:bodyPr/>
-          <a:lstStyle/>
-          <a:p>
-            <a:endParaRPr lang="en-US"/>
-          </a:p>
-        </p:txBody>
-      </p:sp>
-    </p:spTree>
-  </p:cSld>
-  <p:clrMapOvr>
-    <a:masterClrMapping/>
-  </p:clrMapOvr>
-</p:notes>
-</file>
-
-<file path=ppt/notesSlides/notesSlide5.xml><?xml version="1.0" encoding="utf-8"?>
-<p:notes xmlns:a="http://schemas.openxmlformats.org/drawingml/2006/main" xmlns:r="http://schemas.openxmlformats.org/officeDocument/2006/relationships" xmlns:p="http://schemas.openxmlformats.org/presentationml/2006/main">
-  <p:cSld>
-    <p:spTree>
-      <p:nvGrpSpPr>
-        <p:cNvPr id="1" name=""/>
-        <p:cNvGrpSpPr/>
-        <p:nvPr/>
-      </p:nvGrpSpPr>
-      <p:grpSpPr>
-        <a:xfrm>
-          <a:off x="0" y="0"/>
-          <a:ext cx="0" cy="0"/>
-          <a:chOff x="0" y="0"/>
-          <a:chExt cx="0" cy="0"/>
-        </a:xfrm>
-      </p:grpSpPr>
-      <p:sp>
-        <p:nvSpPr>
-          <p:cNvPr id="778242" name="Rectangle 2"/>
-          <p:cNvSpPr>
-            <a:spLocks noGrp="1" noRot="1" noChangeAspect="1" noChangeArrowheads="1" noTextEdit="1"/>
-          </p:cNvSpPr>
-          <p:nvPr>
-            <p:ph type="sldImg"/>
-          </p:nvPr>
-        </p:nvSpPr>
-        <p:spPr>
-          <a:ln/>
-        </p:spPr>
-      </p:sp>
-      <p:sp>
-        <p:nvSpPr>
-          <p:cNvPr id="778243" name="Rectangle 3"/>
           <p:cNvSpPr>
             <a:spLocks noGrp="1" noChangeArrowheads="1"/>
           </p:cNvSpPr>
@@ -3673,1770 +3438,9 @@
             </a:r>
             <a:r>
               <a:rPr lang="en-US" smtClean="0"/>
-              <a:t>Gutz </a:t>
-            </a:r>
-            <a:r>
-              <a:rPr lang="en-US" smtClean="0"/>
-              <a:t>28-Jan-2016</a:t>
+              <a:t>Gutz 28-Jan-2016</a:t>
             </a:r>
             <a:endParaRPr lang="en-US" dirty="0"/>
-          </a:p>
-        </p:txBody>
-      </p:sp>
-    </p:spTree>
-  </p:cSld>
-  <p:clrMapOvr>
-    <a:masterClrMapping/>
-  </p:clrMapOvr>
-  <p:timing>
-    <p:tnLst>
-      <p:par>
-        <p:cTn id="1" dur="indefinite" restart="never" nodeType="tmRoot"/>
-      </p:par>
-    </p:tnLst>
-  </p:timing>
-</p:sld>
-</file>
-
-<file path=ppt/slides/slide10.xml><?xml version="1.0" encoding="utf-8"?>
-<p:sld xmlns:a="http://schemas.openxmlformats.org/drawingml/2006/main" xmlns:r="http://schemas.openxmlformats.org/officeDocument/2006/relationships" xmlns:p="http://schemas.openxmlformats.org/presentationml/2006/main" showMasterSp="0">
-  <p:cSld>
-    <p:bg>
-      <p:bgPr>
-        <a:solidFill>
-          <a:schemeClr val="accent3"/>
-        </a:solidFill>
-        <a:effectLst/>
-      </p:bgPr>
-    </p:bg>
-    <p:spTree>
-      <p:nvGrpSpPr>
-        <p:cNvPr id="1" name=""/>
-        <p:cNvGrpSpPr/>
-        <p:nvPr/>
-      </p:nvGrpSpPr>
-      <p:grpSpPr>
-        <a:xfrm>
-          <a:off x="0" y="0"/>
-          <a:ext cx="0" cy="0"/>
-          <a:chOff x="0" y="0"/>
-          <a:chExt cx="0" cy="0"/>
-        </a:xfrm>
-      </p:grpSpPr>
-      <p:sp>
-        <p:nvSpPr>
-          <p:cNvPr id="735238" name="Rectangle 6"/>
-          <p:cNvSpPr>
-            <a:spLocks noGrp="1" noChangeArrowheads="1"/>
-          </p:cNvSpPr>
-          <p:nvPr>
-            <p:ph type="title"/>
-          </p:nvPr>
-        </p:nvSpPr>
-        <p:spPr/>
-        <p:txBody>
-          <a:bodyPr/>
-          <a:lstStyle/>
-          <a:p>
-            <a:r>
-              <a:rPr lang="en-US" cap="none" dirty="0"/>
-              <a:t>Use divider slides to separate different sections of your pitch</a:t>
-            </a:r>
-            <a:endParaRPr lang="en-US" dirty="0"/>
-          </a:p>
-        </p:txBody>
-      </p:sp>
-    </p:spTree>
-  </p:cSld>
-  <p:clrMapOvr>
-    <a:masterClrMapping/>
-  </p:clrMapOvr>
-  <p:timing>
-    <p:tnLst>
-      <p:par>
-        <p:cTn id="1" dur="indefinite" restart="never" nodeType="tmRoot"/>
-      </p:par>
-    </p:tnLst>
-  </p:timing>
-</p:sld>
-</file>
-
-<file path=ppt/slides/slide11.xml><?xml version="1.0" encoding="utf-8"?>
-<p:sld xmlns:a="http://schemas.openxmlformats.org/drawingml/2006/main" xmlns:r="http://schemas.openxmlformats.org/officeDocument/2006/relationships" xmlns:p="http://schemas.openxmlformats.org/presentationml/2006/main" showMasterSp="0">
-  <p:cSld>
-    <p:bg>
-      <p:bgPr>
-        <a:solidFill>
-          <a:schemeClr val="accent4"/>
-        </a:solidFill>
-        <a:effectLst/>
-      </p:bgPr>
-    </p:bg>
-    <p:spTree>
-      <p:nvGrpSpPr>
-        <p:cNvPr id="1" name=""/>
-        <p:cNvGrpSpPr/>
-        <p:nvPr/>
-      </p:nvGrpSpPr>
-      <p:grpSpPr>
-        <a:xfrm>
-          <a:off x="0" y="0"/>
-          <a:ext cx="0" cy="0"/>
-          <a:chOff x="0" y="0"/>
-          <a:chExt cx="0" cy="0"/>
-        </a:xfrm>
-      </p:grpSpPr>
-      <p:sp>
-        <p:nvSpPr>
-          <p:cNvPr id="733189" name="Rectangle 5"/>
-          <p:cNvSpPr>
-            <a:spLocks noGrp="1" noChangeArrowheads="1"/>
-          </p:cNvSpPr>
-          <p:nvPr>
-            <p:ph type="title"/>
-          </p:nvPr>
-        </p:nvSpPr>
-        <p:spPr/>
-        <p:txBody>
-          <a:bodyPr/>
-          <a:lstStyle/>
-          <a:p>
-            <a:r>
-              <a:rPr lang="en-US" cap="none" dirty="0"/>
-              <a:t>Use divider slides to separate different sections of your pitch</a:t>
-            </a:r>
-            <a:endParaRPr lang="en-US" dirty="0"/>
-          </a:p>
-        </p:txBody>
-      </p:sp>
-    </p:spTree>
-  </p:cSld>
-  <p:clrMapOvr>
-    <a:masterClrMapping/>
-  </p:clrMapOvr>
-  <p:timing>
-    <p:tnLst>
-      <p:par>
-        <p:cTn id="1" dur="indefinite" restart="never" nodeType="tmRoot"/>
-      </p:par>
-    </p:tnLst>
-  </p:timing>
-</p:sld>
-</file>
-
-<file path=ppt/slides/slide12.xml><?xml version="1.0" encoding="utf-8"?>
-<p:sld xmlns:a="http://schemas.openxmlformats.org/drawingml/2006/main" xmlns:r="http://schemas.openxmlformats.org/officeDocument/2006/relationships" xmlns:p="http://schemas.openxmlformats.org/presentationml/2006/main">
-  <p:cSld>
-    <p:spTree>
-      <p:nvGrpSpPr>
-        <p:cNvPr id="1" name=""/>
-        <p:cNvGrpSpPr/>
-        <p:nvPr/>
-      </p:nvGrpSpPr>
-      <p:grpSpPr>
-        <a:xfrm>
-          <a:off x="0" y="0"/>
-          <a:ext cx="0" cy="0"/>
-          <a:chOff x="0" y="0"/>
-          <a:chExt cx="0" cy="0"/>
-        </a:xfrm>
-      </p:grpSpPr>
-      <p:sp>
-        <p:nvSpPr>
-          <p:cNvPr id="738306" name="Rectangle 2"/>
-          <p:cNvSpPr>
-            <a:spLocks noGrp="1" noChangeArrowheads="1"/>
-          </p:cNvSpPr>
-          <p:nvPr>
-            <p:ph type="title"/>
-          </p:nvPr>
-        </p:nvSpPr>
-        <p:spPr>
-          <a:prstGeom prst="rect">
-            <a:avLst/>
-          </a:prstGeom>
-        </p:spPr>
-        <p:txBody>
-          <a:bodyPr/>
-          <a:lstStyle/>
-          <a:p>
-            <a:r>
-              <a:rPr lang="en-US"/>
-              <a:t>Colors in this template (RGB)</a:t>
-            </a:r>
-          </a:p>
-        </p:txBody>
-      </p:sp>
-      <p:sp>
-        <p:nvSpPr>
-          <p:cNvPr id="738308" name="Text Box 4"/>
-          <p:cNvSpPr txBox="1">
-            <a:spLocks noChangeArrowheads="1"/>
-          </p:cNvSpPr>
-          <p:nvPr/>
-        </p:nvSpPr>
-        <p:spPr bwMode="auto">
-          <a:xfrm>
-            <a:off x="350838" y="1247775"/>
-            <a:ext cx="598487" cy="733425"/>
-          </a:xfrm>
-          <a:prstGeom prst="rect">
-            <a:avLst/>
-          </a:prstGeom>
-          <a:noFill/>
-          <a:ln>
-            <a:noFill/>
-          </a:ln>
-          <a:effectLst/>
-          <a:extLst>
-            <a:ext uri="{909E8E84-426E-40DD-AFC4-6F175D3DCCD1}">
-              <a14:hiddenFill xmlns:a14="http://schemas.microsoft.com/office/drawing/2010/main">
-                <a:solidFill>
-                  <a:schemeClr val="accent1"/>
-                </a:solidFill>
-              </a14:hiddenFill>
-            </a:ext>
-            <a:ext uri="{91240B29-F687-4F45-9708-019B960494DF}">
-              <a14:hiddenLine xmlns:a14="http://schemas.microsoft.com/office/drawing/2010/main" w="9525">
-                <a:solidFill>
-                  <a:schemeClr val="tx1"/>
-                </a:solidFill>
-                <a:miter lim="800000"/>
-                <a:headEnd/>
-                <a:tailEnd/>
-              </a14:hiddenLine>
-            </a:ext>
-            <a:ext uri="{AF507438-7753-43E0-B8FC-AC1667EBCBE1}">
-              <a14:hiddenEffects xmlns:a14="http://schemas.microsoft.com/office/drawing/2010/main">
-                <a:effectLst>
-                  <a:outerShdw dist="35921" dir="2700000" algn="ctr" rotWithShape="0">
-                    <a:schemeClr val="bg2"/>
-                  </a:outerShdw>
-                </a:effectLst>
-              </a14:hiddenEffects>
-            </a:ext>
-          </a:extLst>
-        </p:spPr>
-        <p:txBody>
-          <a:bodyPr wrap="none" lIns="0" tIns="0" rIns="0" bIns="0">
-            <a:spAutoFit/>
-          </a:bodyPr>
-          <a:lstStyle/>
-          <a:p>
-            <a:r>
-              <a:rPr lang="en-US" sz="1600"/>
-              <a:t>R- 30</a:t>
-            </a:r>
-          </a:p>
-          <a:p>
-            <a:r>
-              <a:rPr lang="en-US" sz="1600"/>
-              <a:t>G- 65</a:t>
-            </a:r>
-          </a:p>
-          <a:p>
-            <a:r>
-              <a:rPr lang="en-US" sz="1600"/>
-              <a:t>B- 145</a:t>
-            </a:r>
-          </a:p>
-        </p:txBody>
-      </p:sp>
-      <p:sp>
-        <p:nvSpPr>
-          <p:cNvPr id="738309" name="Text Box 5"/>
-          <p:cNvSpPr txBox="1">
-            <a:spLocks noChangeArrowheads="1"/>
-          </p:cNvSpPr>
-          <p:nvPr/>
-        </p:nvSpPr>
-        <p:spPr bwMode="auto">
-          <a:xfrm>
-            <a:off x="1316038" y="1247775"/>
-            <a:ext cx="620712" cy="733425"/>
-          </a:xfrm>
-          <a:prstGeom prst="rect">
-            <a:avLst/>
-          </a:prstGeom>
-          <a:noFill/>
-          <a:ln>
-            <a:noFill/>
-          </a:ln>
-          <a:effectLst/>
-          <a:extLst>
-            <a:ext uri="{909E8E84-426E-40DD-AFC4-6F175D3DCCD1}">
-              <a14:hiddenFill xmlns:a14="http://schemas.microsoft.com/office/drawing/2010/main">
-                <a:solidFill>
-                  <a:schemeClr val="accent1"/>
-                </a:solidFill>
-              </a14:hiddenFill>
-            </a:ext>
-            <a:ext uri="{91240B29-F687-4F45-9708-019B960494DF}">
-              <a14:hiddenLine xmlns:a14="http://schemas.microsoft.com/office/drawing/2010/main" w="9525">
-                <a:solidFill>
-                  <a:schemeClr val="tx1"/>
-                </a:solidFill>
-                <a:miter lim="800000"/>
-                <a:headEnd/>
-                <a:tailEnd/>
-              </a14:hiddenLine>
-            </a:ext>
-            <a:ext uri="{AF507438-7753-43E0-B8FC-AC1667EBCBE1}">
-              <a14:hiddenEffects xmlns:a14="http://schemas.microsoft.com/office/drawing/2010/main">
-                <a:effectLst>
-                  <a:outerShdw dist="35921" dir="2700000" algn="ctr" rotWithShape="0">
-                    <a:schemeClr val="bg2"/>
-                  </a:outerShdw>
-                </a:effectLst>
-              </a14:hiddenEffects>
-            </a:ext>
-          </a:extLst>
-        </p:spPr>
-        <p:txBody>
-          <a:bodyPr wrap="none" lIns="0" tIns="0" rIns="0" bIns="0">
-            <a:spAutoFit/>
-          </a:bodyPr>
-          <a:lstStyle/>
-          <a:p>
-            <a:r>
-              <a:rPr lang="en-US" sz="1600"/>
-              <a:t>R- 0</a:t>
-            </a:r>
-          </a:p>
-          <a:p>
-            <a:r>
-              <a:rPr lang="en-US" sz="1600"/>
-              <a:t>G- 170</a:t>
-            </a:r>
-          </a:p>
-          <a:p>
-            <a:r>
-              <a:rPr lang="en-US" sz="1600"/>
-              <a:t>B- 80</a:t>
-            </a:r>
-          </a:p>
-        </p:txBody>
-      </p:sp>
-      <p:sp>
-        <p:nvSpPr>
-          <p:cNvPr id="738310" name="Text Box 6"/>
-          <p:cNvSpPr txBox="1">
-            <a:spLocks noChangeArrowheads="1"/>
-          </p:cNvSpPr>
-          <p:nvPr/>
-        </p:nvSpPr>
-        <p:spPr bwMode="auto">
-          <a:xfrm>
-            <a:off x="2282825" y="1247775"/>
-            <a:ext cx="620713" cy="733425"/>
-          </a:xfrm>
-          <a:prstGeom prst="rect">
-            <a:avLst/>
-          </a:prstGeom>
-          <a:noFill/>
-          <a:ln>
-            <a:noFill/>
-          </a:ln>
-          <a:effectLst/>
-          <a:extLst>
-            <a:ext uri="{909E8E84-426E-40DD-AFC4-6F175D3DCCD1}">
-              <a14:hiddenFill xmlns:a14="http://schemas.microsoft.com/office/drawing/2010/main">
-                <a:solidFill>
-                  <a:schemeClr val="accent1"/>
-                </a:solidFill>
-              </a14:hiddenFill>
-            </a:ext>
-            <a:ext uri="{91240B29-F687-4F45-9708-019B960494DF}">
-              <a14:hiddenLine xmlns:a14="http://schemas.microsoft.com/office/drawing/2010/main" w="9525">
-                <a:solidFill>
-                  <a:schemeClr val="tx1"/>
-                </a:solidFill>
-                <a:miter lim="800000"/>
-                <a:headEnd/>
-                <a:tailEnd/>
-              </a14:hiddenLine>
-            </a:ext>
-            <a:ext uri="{AF507438-7753-43E0-B8FC-AC1667EBCBE1}">
-              <a14:hiddenEffects xmlns:a14="http://schemas.microsoft.com/office/drawing/2010/main">
-                <a:effectLst>
-                  <a:outerShdw dist="35921" dir="2700000" algn="ctr" rotWithShape="0">
-                    <a:schemeClr val="bg2"/>
-                  </a:outerShdw>
-                </a:effectLst>
-              </a14:hiddenEffects>
-            </a:ext>
-          </a:extLst>
-        </p:spPr>
-        <p:txBody>
-          <a:bodyPr wrap="none" lIns="0" tIns="0" rIns="0" bIns="0">
-            <a:spAutoFit/>
-          </a:bodyPr>
-          <a:lstStyle/>
-          <a:p>
-            <a:r>
-              <a:rPr lang="en-US" sz="1600"/>
-              <a:t>R- 255</a:t>
-            </a:r>
-          </a:p>
-          <a:p>
-            <a:r>
-              <a:rPr lang="en-US" sz="1600"/>
-              <a:t>G- 102</a:t>
-            </a:r>
-          </a:p>
-          <a:p>
-            <a:r>
-              <a:rPr lang="en-US" sz="1600"/>
-              <a:t>B- 0</a:t>
-            </a:r>
-          </a:p>
-        </p:txBody>
-      </p:sp>
-      <p:sp>
-        <p:nvSpPr>
-          <p:cNvPr id="738311" name="Text Box 7"/>
-          <p:cNvSpPr txBox="1">
-            <a:spLocks noChangeArrowheads="1"/>
-          </p:cNvSpPr>
-          <p:nvPr/>
-        </p:nvSpPr>
-        <p:spPr bwMode="auto">
-          <a:xfrm>
-            <a:off x="3248025" y="1247775"/>
-            <a:ext cx="609600" cy="733425"/>
-          </a:xfrm>
-          <a:prstGeom prst="rect">
-            <a:avLst/>
-          </a:prstGeom>
-          <a:noFill/>
-          <a:ln>
-            <a:noFill/>
-          </a:ln>
-          <a:effectLst/>
-          <a:extLst>
-            <a:ext uri="{909E8E84-426E-40DD-AFC4-6F175D3DCCD1}">
-              <a14:hiddenFill xmlns:a14="http://schemas.microsoft.com/office/drawing/2010/main">
-                <a:solidFill>
-                  <a:schemeClr val="accent1"/>
-                </a:solidFill>
-              </a14:hiddenFill>
-            </a:ext>
-            <a:ext uri="{91240B29-F687-4F45-9708-019B960494DF}">
-              <a14:hiddenLine xmlns:a14="http://schemas.microsoft.com/office/drawing/2010/main" w="9525">
-                <a:solidFill>
-                  <a:schemeClr val="tx1"/>
-                </a:solidFill>
-                <a:miter lim="800000"/>
-                <a:headEnd/>
-                <a:tailEnd/>
-              </a14:hiddenLine>
-            </a:ext>
-            <a:ext uri="{AF507438-7753-43E0-B8FC-AC1667EBCBE1}">
-              <a14:hiddenEffects xmlns:a14="http://schemas.microsoft.com/office/drawing/2010/main">
-                <a:effectLst>
-                  <a:outerShdw dist="35921" dir="2700000" algn="ctr" rotWithShape="0">
-                    <a:schemeClr val="bg2"/>
-                  </a:outerShdw>
-                </a:effectLst>
-              </a14:hiddenEffects>
-            </a:ext>
-          </a:extLst>
-        </p:spPr>
-        <p:txBody>
-          <a:bodyPr wrap="none" lIns="0" tIns="0" rIns="0" bIns="0">
-            <a:spAutoFit/>
-          </a:bodyPr>
-          <a:lstStyle/>
-          <a:p>
-            <a:r>
-              <a:rPr lang="en-US" sz="1600"/>
-              <a:t>R- 155</a:t>
-            </a:r>
-          </a:p>
-          <a:p>
-            <a:r>
-              <a:rPr lang="en-US" sz="1600"/>
-              <a:t>G- 80</a:t>
-            </a:r>
-          </a:p>
-          <a:p>
-            <a:r>
-              <a:rPr lang="en-US" sz="1600"/>
-              <a:t>B- 212</a:t>
-            </a:r>
-          </a:p>
-        </p:txBody>
-      </p:sp>
-      <p:sp>
-        <p:nvSpPr>
-          <p:cNvPr id="738312" name="Text Box 8"/>
-          <p:cNvSpPr txBox="1">
-            <a:spLocks noChangeArrowheads="1"/>
-          </p:cNvSpPr>
-          <p:nvPr/>
-        </p:nvSpPr>
-        <p:spPr bwMode="auto">
-          <a:xfrm>
-            <a:off x="4214813" y="1247775"/>
-            <a:ext cx="620712" cy="733425"/>
-          </a:xfrm>
-          <a:prstGeom prst="rect">
-            <a:avLst/>
-          </a:prstGeom>
-          <a:noFill/>
-          <a:ln>
-            <a:noFill/>
-          </a:ln>
-          <a:effectLst/>
-          <a:extLst>
-            <a:ext uri="{909E8E84-426E-40DD-AFC4-6F175D3DCCD1}">
-              <a14:hiddenFill xmlns:a14="http://schemas.microsoft.com/office/drawing/2010/main">
-                <a:solidFill>
-                  <a:schemeClr val="accent1"/>
-                </a:solidFill>
-              </a14:hiddenFill>
-            </a:ext>
-            <a:ext uri="{91240B29-F687-4F45-9708-019B960494DF}">
-              <a14:hiddenLine xmlns:a14="http://schemas.microsoft.com/office/drawing/2010/main" w="9525">
-                <a:solidFill>
-                  <a:schemeClr val="tx1"/>
-                </a:solidFill>
-                <a:miter lim="800000"/>
-                <a:headEnd/>
-                <a:tailEnd/>
-              </a14:hiddenLine>
-            </a:ext>
-            <a:ext uri="{AF507438-7753-43E0-B8FC-AC1667EBCBE1}">
-              <a14:hiddenEffects xmlns:a14="http://schemas.microsoft.com/office/drawing/2010/main">
-                <a:effectLst>
-                  <a:outerShdw dist="35921" dir="2700000" algn="ctr" rotWithShape="0">
-                    <a:schemeClr val="bg2"/>
-                  </a:outerShdw>
-                </a:effectLst>
-              </a14:hiddenEffects>
-            </a:ext>
-          </a:extLst>
-        </p:spPr>
-        <p:txBody>
-          <a:bodyPr wrap="none" lIns="0" tIns="0" rIns="0" bIns="0">
-            <a:spAutoFit/>
-          </a:bodyPr>
-          <a:lstStyle/>
-          <a:p>
-            <a:r>
-              <a:rPr lang="en-US" sz="1600"/>
-              <a:t>R- 40</a:t>
-            </a:r>
-          </a:p>
-          <a:p>
-            <a:r>
-              <a:rPr lang="en-US" sz="1600"/>
-              <a:t>G- 185</a:t>
-            </a:r>
-          </a:p>
-          <a:p>
-            <a:r>
-              <a:rPr lang="en-US" sz="1600"/>
-              <a:t>B- 245</a:t>
-            </a:r>
-          </a:p>
-        </p:txBody>
-      </p:sp>
-      <p:sp>
-        <p:nvSpPr>
-          <p:cNvPr id="738313" name="Text Box 9"/>
-          <p:cNvSpPr txBox="1">
-            <a:spLocks noChangeArrowheads="1"/>
-          </p:cNvSpPr>
-          <p:nvPr/>
-        </p:nvSpPr>
-        <p:spPr bwMode="auto">
-          <a:xfrm>
-            <a:off x="5180013" y="1247775"/>
-            <a:ext cx="585097" cy="738664"/>
-          </a:xfrm>
-          <a:prstGeom prst="rect">
-            <a:avLst/>
-          </a:prstGeom>
-          <a:noFill/>
-          <a:ln>
-            <a:noFill/>
-          </a:ln>
-          <a:effectLst/>
-          <a:extLst>
-            <a:ext uri="{909E8E84-426E-40DD-AFC4-6F175D3DCCD1}">
-              <a14:hiddenFill xmlns:a14="http://schemas.microsoft.com/office/drawing/2010/main">
-                <a:solidFill>
-                  <a:schemeClr val="accent1"/>
-                </a:solidFill>
-              </a14:hiddenFill>
-            </a:ext>
-            <a:ext uri="{91240B29-F687-4F45-9708-019B960494DF}">
-              <a14:hiddenLine xmlns:a14="http://schemas.microsoft.com/office/drawing/2010/main" w="9525">
-                <a:solidFill>
-                  <a:schemeClr val="tx1"/>
-                </a:solidFill>
-                <a:miter lim="800000"/>
-                <a:headEnd/>
-                <a:tailEnd/>
-              </a14:hiddenLine>
-            </a:ext>
-            <a:ext uri="{AF507438-7753-43E0-B8FC-AC1667EBCBE1}">
-              <a14:hiddenEffects xmlns:a14="http://schemas.microsoft.com/office/drawing/2010/main">
-                <a:effectLst>
-                  <a:outerShdw dist="35921" dir="2700000" algn="ctr" rotWithShape="0">
-                    <a:schemeClr val="bg2"/>
-                  </a:outerShdw>
-                </a:effectLst>
-              </a14:hiddenEffects>
-            </a:ext>
-          </a:extLst>
-        </p:spPr>
-        <p:txBody>
-          <a:bodyPr wrap="none" lIns="0" tIns="0" rIns="0" bIns="0">
-            <a:spAutoFit/>
-          </a:bodyPr>
-          <a:lstStyle/>
-          <a:p>
-            <a:r>
-              <a:rPr lang="en-US" sz="1600" dirty="0"/>
-              <a:t>R- </a:t>
-            </a:r>
-            <a:r>
-              <a:rPr lang="en-US" sz="1600" dirty="0" smtClean="0"/>
-              <a:t>118</a:t>
-            </a:r>
-            <a:endParaRPr lang="en-US" sz="1600" dirty="0"/>
-          </a:p>
-          <a:p>
-            <a:r>
-              <a:rPr lang="en-US" sz="1600" dirty="0"/>
-              <a:t>G- </a:t>
-            </a:r>
-            <a:r>
-              <a:rPr lang="en-US" sz="1600" dirty="0" smtClean="0"/>
-              <a:t>185</a:t>
-            </a:r>
-            <a:endParaRPr lang="en-US" sz="1600" dirty="0"/>
-          </a:p>
-          <a:p>
-            <a:r>
-              <a:rPr lang="en-US" sz="1600" dirty="0"/>
-              <a:t>B- </a:t>
-            </a:r>
-            <a:r>
-              <a:rPr lang="en-US" sz="1600" dirty="0" smtClean="0"/>
-              <a:t>0</a:t>
-            </a:r>
-            <a:endParaRPr lang="en-US" sz="1600" dirty="0"/>
-          </a:p>
-        </p:txBody>
-      </p:sp>
-      <p:sp>
-        <p:nvSpPr>
-          <p:cNvPr id="738314" name="Text Box 10"/>
-          <p:cNvSpPr txBox="1">
-            <a:spLocks noChangeArrowheads="1"/>
-          </p:cNvSpPr>
-          <p:nvPr/>
-        </p:nvSpPr>
-        <p:spPr bwMode="auto">
-          <a:xfrm>
-            <a:off x="265113" y="5181600"/>
-            <a:ext cx="1060450" cy="641350"/>
-          </a:xfrm>
-          <a:prstGeom prst="rect">
-            <a:avLst/>
-          </a:prstGeom>
-          <a:noFill/>
-          <a:ln>
-            <a:noFill/>
-          </a:ln>
-          <a:effectLst/>
-          <a:extLst>
-            <a:ext uri="{909E8E84-426E-40DD-AFC4-6F175D3DCCD1}">
-              <a14:hiddenFill xmlns:a14="http://schemas.microsoft.com/office/drawing/2010/main">
-                <a:solidFill>
-                  <a:schemeClr val="accent1"/>
-                </a:solidFill>
-              </a14:hiddenFill>
-            </a:ext>
-            <a:ext uri="{91240B29-F687-4F45-9708-019B960494DF}">
-              <a14:hiddenLine xmlns:a14="http://schemas.microsoft.com/office/drawing/2010/main" w="9525">
-                <a:solidFill>
-                  <a:schemeClr val="tx1"/>
-                </a:solidFill>
-                <a:miter lim="800000"/>
-                <a:headEnd/>
-                <a:tailEnd/>
-              </a14:hiddenLine>
-            </a:ext>
-            <a:ext uri="{AF507438-7753-43E0-B8FC-AC1667EBCBE1}">
-              <a14:hiddenEffects xmlns:a14="http://schemas.microsoft.com/office/drawing/2010/main">
-                <a:effectLst>
-                  <a:outerShdw dist="35921" dir="2700000" algn="ctr" rotWithShape="0">
-                    <a:schemeClr val="bg2"/>
-                  </a:outerShdw>
-                </a:effectLst>
-              </a14:hiddenEffects>
-            </a:ext>
-          </a:extLst>
-        </p:spPr>
-        <p:txBody>
-          <a:bodyPr wrap="none">
-            <a:spAutoFit/>
-          </a:bodyPr>
-          <a:lstStyle/>
-          <a:p>
-            <a:r>
-              <a:rPr lang="en-US" sz="1800"/>
-              <a:t>Abc123</a:t>
-            </a:r>
-          </a:p>
-          <a:p>
-            <a:r>
-              <a:rPr lang="en-US" sz="1800" b="1"/>
-              <a:t>ABC123</a:t>
-            </a:r>
-            <a:endParaRPr lang="en-US" sz="1800"/>
-          </a:p>
-        </p:txBody>
-      </p:sp>
-      <p:sp>
-        <p:nvSpPr>
-          <p:cNvPr id="738315" name="Text Box 11"/>
-          <p:cNvSpPr txBox="1">
-            <a:spLocks noChangeArrowheads="1"/>
-          </p:cNvSpPr>
-          <p:nvPr/>
-        </p:nvSpPr>
-        <p:spPr bwMode="auto">
-          <a:xfrm>
-            <a:off x="1238250" y="5181600"/>
-            <a:ext cx="982961" cy="646331"/>
-          </a:xfrm>
-          <a:prstGeom prst="rect">
-            <a:avLst/>
-          </a:prstGeom>
-          <a:noFill/>
-          <a:ln>
-            <a:noFill/>
-          </a:ln>
-          <a:effectLst/>
-          <a:extLst>
-            <a:ext uri="{909E8E84-426E-40DD-AFC4-6F175D3DCCD1}">
-              <a14:hiddenFill xmlns:a14="http://schemas.microsoft.com/office/drawing/2010/main">
-                <a:solidFill>
-                  <a:schemeClr val="accent1"/>
-                </a:solidFill>
-              </a14:hiddenFill>
-            </a:ext>
-            <a:ext uri="{91240B29-F687-4F45-9708-019B960494DF}">
-              <a14:hiddenLine xmlns:a14="http://schemas.microsoft.com/office/drawing/2010/main" w="9525">
-                <a:solidFill>
-                  <a:schemeClr val="tx1"/>
-                </a:solidFill>
-                <a:miter lim="800000"/>
-                <a:headEnd/>
-                <a:tailEnd/>
-              </a14:hiddenLine>
-            </a:ext>
-            <a:ext uri="{AF507438-7753-43E0-B8FC-AC1667EBCBE1}">
-              <a14:hiddenEffects xmlns:a14="http://schemas.microsoft.com/office/drawing/2010/main">
-                <a:effectLst>
-                  <a:outerShdw dist="35921" dir="2700000" algn="ctr" rotWithShape="0">
-                    <a:schemeClr val="bg2"/>
-                  </a:outerShdw>
-                </a:effectLst>
-              </a14:hiddenEffects>
-            </a:ext>
-          </a:extLst>
-        </p:spPr>
-        <p:txBody>
-          <a:bodyPr wrap="none">
-            <a:spAutoFit/>
-          </a:bodyPr>
-          <a:lstStyle/>
-          <a:p>
-            <a:r>
-              <a:rPr lang="en-US" sz="1800" dirty="0">
-                <a:solidFill>
-                  <a:schemeClr val="accent3"/>
-                </a:solidFill>
-              </a:rPr>
-              <a:t>Abc123</a:t>
-            </a:r>
-          </a:p>
-          <a:p>
-            <a:r>
-              <a:rPr lang="en-US" sz="1800" b="1" dirty="0">
-                <a:solidFill>
-                  <a:schemeClr val="accent3"/>
-                </a:solidFill>
-              </a:rPr>
-              <a:t>ABC123</a:t>
-            </a:r>
-            <a:endParaRPr lang="en-US" sz="1800" dirty="0">
-              <a:solidFill>
-                <a:schemeClr val="accent3"/>
-              </a:solidFill>
-            </a:endParaRPr>
-          </a:p>
-        </p:txBody>
-      </p:sp>
-      <p:sp>
-        <p:nvSpPr>
-          <p:cNvPr id="738316" name="Text Box 12"/>
-          <p:cNvSpPr txBox="1">
-            <a:spLocks noChangeArrowheads="1"/>
-          </p:cNvSpPr>
-          <p:nvPr/>
-        </p:nvSpPr>
-        <p:spPr bwMode="auto">
-          <a:xfrm>
-            <a:off x="2205038" y="5181600"/>
-            <a:ext cx="1060450" cy="641350"/>
-          </a:xfrm>
-          <a:prstGeom prst="rect">
-            <a:avLst/>
-          </a:prstGeom>
-          <a:noFill/>
-          <a:ln>
-            <a:noFill/>
-          </a:ln>
-          <a:effectLst/>
-          <a:extLst>
-            <a:ext uri="{909E8E84-426E-40DD-AFC4-6F175D3DCCD1}">
-              <a14:hiddenFill xmlns:a14="http://schemas.microsoft.com/office/drawing/2010/main">
-                <a:solidFill>
-                  <a:schemeClr val="accent1"/>
-                </a:solidFill>
-              </a14:hiddenFill>
-            </a:ext>
-            <a:ext uri="{91240B29-F687-4F45-9708-019B960494DF}">
-              <a14:hiddenLine xmlns:a14="http://schemas.microsoft.com/office/drawing/2010/main" w="9525">
-                <a:solidFill>
-                  <a:schemeClr val="tx1"/>
-                </a:solidFill>
-                <a:miter lim="800000"/>
-                <a:headEnd/>
-                <a:tailEnd/>
-              </a14:hiddenLine>
-            </a:ext>
-            <a:ext uri="{AF507438-7753-43E0-B8FC-AC1667EBCBE1}">
-              <a14:hiddenEffects xmlns:a14="http://schemas.microsoft.com/office/drawing/2010/main">
-                <a:effectLst>
-                  <a:outerShdw dist="35921" dir="2700000" algn="ctr" rotWithShape="0">
-                    <a:schemeClr val="bg2"/>
-                  </a:outerShdw>
-                </a:effectLst>
-              </a14:hiddenEffects>
-            </a:ext>
-          </a:extLst>
-        </p:spPr>
-        <p:txBody>
-          <a:bodyPr wrap="none">
-            <a:spAutoFit/>
-          </a:bodyPr>
-          <a:lstStyle/>
-          <a:p>
-            <a:r>
-              <a:rPr lang="en-US" sz="1800">
-                <a:solidFill>
-                  <a:schemeClr val="tx2"/>
-                </a:solidFill>
-              </a:rPr>
-              <a:t>Abc123</a:t>
-            </a:r>
-          </a:p>
-          <a:p>
-            <a:r>
-              <a:rPr lang="en-US" sz="1800" b="1">
-                <a:solidFill>
-                  <a:schemeClr val="tx2"/>
-                </a:solidFill>
-              </a:rPr>
-              <a:t>ABC123</a:t>
-            </a:r>
-            <a:endParaRPr lang="en-US" sz="1800">
-              <a:solidFill>
-                <a:schemeClr val="tx2"/>
-              </a:solidFill>
-            </a:endParaRPr>
-          </a:p>
-        </p:txBody>
-      </p:sp>
-      <p:sp>
-        <p:nvSpPr>
-          <p:cNvPr id="738317" name="Text Box 13"/>
-          <p:cNvSpPr txBox="1">
-            <a:spLocks noChangeArrowheads="1"/>
-          </p:cNvSpPr>
-          <p:nvPr/>
-        </p:nvSpPr>
-        <p:spPr bwMode="auto">
-          <a:xfrm>
-            <a:off x="3170238" y="5181600"/>
-            <a:ext cx="1060450" cy="641350"/>
-          </a:xfrm>
-          <a:prstGeom prst="rect">
-            <a:avLst/>
-          </a:prstGeom>
-          <a:noFill/>
-          <a:ln>
-            <a:noFill/>
-          </a:ln>
-          <a:effectLst/>
-          <a:extLst>
-            <a:ext uri="{909E8E84-426E-40DD-AFC4-6F175D3DCCD1}">
-              <a14:hiddenFill xmlns:a14="http://schemas.microsoft.com/office/drawing/2010/main">
-                <a:solidFill>
-                  <a:schemeClr val="accent1"/>
-                </a:solidFill>
-              </a14:hiddenFill>
-            </a:ext>
-            <a:ext uri="{91240B29-F687-4F45-9708-019B960494DF}">
-              <a14:hiddenLine xmlns:a14="http://schemas.microsoft.com/office/drawing/2010/main" w="9525">
-                <a:solidFill>
-                  <a:schemeClr val="tx1"/>
-                </a:solidFill>
-                <a:miter lim="800000"/>
-                <a:headEnd/>
-                <a:tailEnd/>
-              </a14:hiddenLine>
-            </a:ext>
-            <a:ext uri="{AF507438-7753-43E0-B8FC-AC1667EBCBE1}">
-              <a14:hiddenEffects xmlns:a14="http://schemas.microsoft.com/office/drawing/2010/main">
-                <a:effectLst>
-                  <a:outerShdw dist="35921" dir="2700000" algn="ctr" rotWithShape="0">
-                    <a:schemeClr val="bg2"/>
-                  </a:outerShdw>
-                </a:effectLst>
-              </a14:hiddenEffects>
-            </a:ext>
-          </a:extLst>
-        </p:spPr>
-        <p:txBody>
-          <a:bodyPr wrap="none">
-            <a:spAutoFit/>
-          </a:bodyPr>
-          <a:lstStyle/>
-          <a:p>
-            <a:r>
-              <a:rPr lang="en-US" sz="1800">
-                <a:solidFill>
-                  <a:schemeClr val="accent1"/>
-                </a:solidFill>
-              </a:rPr>
-              <a:t>Abc123</a:t>
-            </a:r>
-          </a:p>
-          <a:p>
-            <a:r>
-              <a:rPr lang="en-US" sz="1800" b="1">
-                <a:solidFill>
-                  <a:schemeClr val="accent1"/>
-                </a:solidFill>
-              </a:rPr>
-              <a:t>ABC123</a:t>
-            </a:r>
-            <a:endParaRPr lang="en-US" sz="1800">
-              <a:solidFill>
-                <a:schemeClr val="accent1"/>
-              </a:solidFill>
-            </a:endParaRPr>
-          </a:p>
-        </p:txBody>
-      </p:sp>
-      <p:sp>
-        <p:nvSpPr>
-          <p:cNvPr id="738318" name="Text Box 14"/>
-          <p:cNvSpPr txBox="1">
-            <a:spLocks noChangeArrowheads="1"/>
-          </p:cNvSpPr>
-          <p:nvPr/>
-        </p:nvSpPr>
-        <p:spPr bwMode="auto">
-          <a:xfrm>
-            <a:off x="4137025" y="5181600"/>
-            <a:ext cx="1060450" cy="641350"/>
-          </a:xfrm>
-          <a:prstGeom prst="rect">
-            <a:avLst/>
-          </a:prstGeom>
-          <a:noFill/>
-          <a:ln>
-            <a:noFill/>
-          </a:ln>
-          <a:effectLst/>
-          <a:extLst>
-            <a:ext uri="{909E8E84-426E-40DD-AFC4-6F175D3DCCD1}">
-              <a14:hiddenFill xmlns:a14="http://schemas.microsoft.com/office/drawing/2010/main">
-                <a:solidFill>
-                  <a:schemeClr val="accent1"/>
-                </a:solidFill>
-              </a14:hiddenFill>
-            </a:ext>
-            <a:ext uri="{91240B29-F687-4F45-9708-019B960494DF}">
-              <a14:hiddenLine xmlns:a14="http://schemas.microsoft.com/office/drawing/2010/main" w="9525">
-                <a:solidFill>
-                  <a:schemeClr val="tx1"/>
-                </a:solidFill>
-                <a:miter lim="800000"/>
-                <a:headEnd/>
-                <a:tailEnd/>
-              </a14:hiddenLine>
-            </a:ext>
-            <a:ext uri="{AF507438-7753-43E0-B8FC-AC1667EBCBE1}">
-              <a14:hiddenEffects xmlns:a14="http://schemas.microsoft.com/office/drawing/2010/main">
-                <a:effectLst>
-                  <a:outerShdw dist="35921" dir="2700000" algn="ctr" rotWithShape="0">
-                    <a:schemeClr val="bg2"/>
-                  </a:outerShdw>
-                </a:effectLst>
-              </a14:hiddenEffects>
-            </a:ext>
-          </a:extLst>
-        </p:spPr>
-        <p:txBody>
-          <a:bodyPr wrap="none">
-            <a:spAutoFit/>
-          </a:bodyPr>
-          <a:lstStyle/>
-          <a:p>
-            <a:r>
-              <a:rPr lang="en-US" sz="1800">
-                <a:solidFill>
-                  <a:schemeClr val="accent2"/>
-                </a:solidFill>
-              </a:rPr>
-              <a:t>Abc123</a:t>
-            </a:r>
-          </a:p>
-          <a:p>
-            <a:r>
-              <a:rPr lang="en-US" sz="1800" b="1">
-                <a:solidFill>
-                  <a:schemeClr val="accent2"/>
-                </a:solidFill>
-              </a:rPr>
-              <a:t>ABC123</a:t>
-            </a:r>
-            <a:endParaRPr lang="en-US" sz="1800">
-              <a:solidFill>
-                <a:schemeClr val="accent2"/>
-              </a:solidFill>
-            </a:endParaRPr>
-          </a:p>
-        </p:txBody>
-      </p:sp>
-      <p:sp>
-        <p:nvSpPr>
-          <p:cNvPr id="738319" name="Text Box 15"/>
-          <p:cNvSpPr txBox="1">
-            <a:spLocks noChangeArrowheads="1"/>
-          </p:cNvSpPr>
-          <p:nvPr/>
-        </p:nvSpPr>
-        <p:spPr bwMode="auto">
-          <a:xfrm>
-            <a:off x="5102225" y="5181600"/>
-            <a:ext cx="982961" cy="646331"/>
-          </a:xfrm>
-          <a:prstGeom prst="rect">
-            <a:avLst/>
-          </a:prstGeom>
-          <a:noFill/>
-          <a:ln>
-            <a:noFill/>
-          </a:ln>
-          <a:effectLst/>
-          <a:extLst>
-            <a:ext uri="{909E8E84-426E-40DD-AFC4-6F175D3DCCD1}">
-              <a14:hiddenFill xmlns:a14="http://schemas.microsoft.com/office/drawing/2010/main">
-                <a:solidFill>
-                  <a:schemeClr val="accent1"/>
-                </a:solidFill>
-              </a14:hiddenFill>
-            </a:ext>
-            <a:ext uri="{91240B29-F687-4F45-9708-019B960494DF}">
-              <a14:hiddenLine xmlns:a14="http://schemas.microsoft.com/office/drawing/2010/main" w="9525">
-                <a:solidFill>
-                  <a:schemeClr val="tx1"/>
-                </a:solidFill>
-                <a:miter lim="800000"/>
-                <a:headEnd/>
-                <a:tailEnd/>
-              </a14:hiddenLine>
-            </a:ext>
-            <a:ext uri="{AF507438-7753-43E0-B8FC-AC1667EBCBE1}">
-              <a14:hiddenEffects xmlns:a14="http://schemas.microsoft.com/office/drawing/2010/main">
-                <a:effectLst>
-                  <a:outerShdw dist="35921" dir="2700000" algn="ctr" rotWithShape="0">
-                    <a:schemeClr val="bg2"/>
-                  </a:outerShdw>
-                </a:effectLst>
-              </a14:hiddenEffects>
-            </a:ext>
-          </a:extLst>
-        </p:spPr>
-        <p:txBody>
-          <a:bodyPr wrap="none">
-            <a:spAutoFit/>
-          </a:bodyPr>
-          <a:lstStyle/>
-          <a:p>
-            <a:r>
-              <a:rPr lang="en-US" sz="1800" dirty="0">
-                <a:solidFill>
-                  <a:schemeClr val="accent5"/>
-                </a:solidFill>
-              </a:rPr>
-              <a:t>Abc123</a:t>
-            </a:r>
-          </a:p>
-          <a:p>
-            <a:r>
-              <a:rPr lang="en-US" sz="1800" b="1" dirty="0">
-                <a:solidFill>
-                  <a:schemeClr val="accent5"/>
-                </a:solidFill>
-              </a:rPr>
-              <a:t>ABC123</a:t>
-            </a:r>
-            <a:endParaRPr lang="en-US" sz="1800" dirty="0">
-              <a:solidFill>
-                <a:schemeClr val="accent5"/>
-              </a:solidFill>
-            </a:endParaRPr>
-          </a:p>
-        </p:txBody>
-      </p:sp>
-      <p:sp>
-        <p:nvSpPr>
-          <p:cNvPr id="738320" name="Text Box 16"/>
-          <p:cNvSpPr txBox="1">
-            <a:spLocks noChangeArrowheads="1"/>
-          </p:cNvSpPr>
-          <p:nvPr/>
-        </p:nvSpPr>
-        <p:spPr bwMode="auto">
-          <a:xfrm>
-            <a:off x="6153150" y="1247775"/>
-            <a:ext cx="585097" cy="738664"/>
-          </a:xfrm>
-          <a:prstGeom prst="rect">
-            <a:avLst/>
-          </a:prstGeom>
-          <a:noFill/>
-          <a:ln>
-            <a:noFill/>
-          </a:ln>
-          <a:effectLst/>
-          <a:extLst>
-            <a:ext uri="{909E8E84-426E-40DD-AFC4-6F175D3DCCD1}">
-              <a14:hiddenFill xmlns:a14="http://schemas.microsoft.com/office/drawing/2010/main">
-                <a:solidFill>
-                  <a:schemeClr val="accent1"/>
-                </a:solidFill>
-              </a14:hiddenFill>
-            </a:ext>
-            <a:ext uri="{91240B29-F687-4F45-9708-019B960494DF}">
-              <a14:hiddenLine xmlns:a14="http://schemas.microsoft.com/office/drawing/2010/main" w="9525">
-                <a:solidFill>
-                  <a:schemeClr val="tx1"/>
-                </a:solidFill>
-                <a:miter lim="800000"/>
-                <a:headEnd/>
-                <a:tailEnd/>
-              </a14:hiddenLine>
-            </a:ext>
-            <a:ext uri="{AF507438-7753-43E0-B8FC-AC1667EBCBE1}">
-              <a14:hiddenEffects xmlns:a14="http://schemas.microsoft.com/office/drawing/2010/main">
-                <a:effectLst>
-                  <a:outerShdw dist="35921" dir="2700000" algn="ctr" rotWithShape="0">
-                    <a:schemeClr val="bg2"/>
-                  </a:outerShdw>
-                </a:effectLst>
-              </a14:hiddenEffects>
-            </a:ext>
-          </a:extLst>
-        </p:spPr>
-        <p:txBody>
-          <a:bodyPr wrap="none" lIns="0" tIns="0" rIns="0" bIns="0">
-            <a:spAutoFit/>
-          </a:bodyPr>
-          <a:lstStyle/>
-          <a:p>
-            <a:r>
-              <a:rPr lang="en-US" sz="1600" dirty="0"/>
-              <a:t>R- </a:t>
-            </a:r>
-            <a:r>
-              <a:rPr lang="en-US" sz="1600" dirty="0" smtClean="0"/>
-              <a:t>238</a:t>
-            </a:r>
-            <a:endParaRPr lang="en-US" sz="1600" dirty="0"/>
-          </a:p>
-          <a:p>
-            <a:r>
-              <a:rPr lang="en-US" sz="1600" dirty="0"/>
-              <a:t>G- </a:t>
-            </a:r>
-            <a:r>
-              <a:rPr lang="en-US" sz="1600" dirty="0" smtClean="0"/>
-              <a:t>51</a:t>
-            </a:r>
-            <a:endParaRPr lang="en-US" sz="1600" dirty="0"/>
-          </a:p>
-          <a:p>
-            <a:r>
-              <a:rPr lang="en-US" sz="1600" dirty="0"/>
-              <a:t>B- </a:t>
-            </a:r>
-            <a:r>
-              <a:rPr lang="en-US" sz="1600" dirty="0" smtClean="0"/>
-              <a:t>36</a:t>
-            </a:r>
-            <a:endParaRPr lang="en-US" sz="1600" dirty="0"/>
-          </a:p>
-        </p:txBody>
-      </p:sp>
-      <p:sp>
-        <p:nvSpPr>
-          <p:cNvPr id="738321" name="Text Box 17"/>
-          <p:cNvSpPr txBox="1">
-            <a:spLocks noChangeArrowheads="1"/>
-          </p:cNvSpPr>
-          <p:nvPr/>
-        </p:nvSpPr>
-        <p:spPr bwMode="auto">
-          <a:xfrm>
-            <a:off x="6073775" y="5181600"/>
-            <a:ext cx="982961" cy="646331"/>
-          </a:xfrm>
-          <a:prstGeom prst="rect">
-            <a:avLst/>
-          </a:prstGeom>
-          <a:noFill/>
-          <a:ln>
-            <a:noFill/>
-          </a:ln>
-          <a:effectLst/>
-          <a:extLst>
-            <a:ext uri="{909E8E84-426E-40DD-AFC4-6F175D3DCCD1}">
-              <a14:hiddenFill xmlns:a14="http://schemas.microsoft.com/office/drawing/2010/main">
-                <a:solidFill>
-                  <a:schemeClr val="accent1"/>
-                </a:solidFill>
-              </a14:hiddenFill>
-            </a:ext>
-            <a:ext uri="{91240B29-F687-4F45-9708-019B960494DF}">
-              <a14:hiddenLine xmlns:a14="http://schemas.microsoft.com/office/drawing/2010/main" w="9525">
-                <a:solidFill>
-                  <a:schemeClr val="tx1"/>
-                </a:solidFill>
-                <a:miter lim="800000"/>
-                <a:headEnd/>
-                <a:tailEnd/>
-              </a14:hiddenLine>
-            </a:ext>
-            <a:ext uri="{AF507438-7753-43E0-B8FC-AC1667EBCBE1}">
-              <a14:hiddenEffects xmlns:a14="http://schemas.microsoft.com/office/drawing/2010/main">
-                <a:effectLst>
-                  <a:outerShdw dist="35921" dir="2700000" algn="ctr" rotWithShape="0">
-                    <a:schemeClr val="bg2"/>
-                  </a:outerShdw>
-                </a:effectLst>
-              </a14:hiddenEffects>
-            </a:ext>
-          </a:extLst>
-        </p:spPr>
-        <p:txBody>
-          <a:bodyPr wrap="none">
-            <a:spAutoFit/>
-          </a:bodyPr>
-          <a:lstStyle/>
-          <a:p>
-            <a:r>
-              <a:rPr lang="en-US" sz="1800" dirty="0">
-                <a:solidFill>
-                  <a:schemeClr val="bg2"/>
-                </a:solidFill>
-              </a:rPr>
-              <a:t>Abc123</a:t>
-            </a:r>
-          </a:p>
-          <a:p>
-            <a:r>
-              <a:rPr lang="en-US" sz="1800" b="1" dirty="0">
-                <a:solidFill>
-                  <a:schemeClr val="bg2"/>
-                </a:solidFill>
-              </a:rPr>
-              <a:t>ABC123</a:t>
-            </a:r>
-            <a:endParaRPr lang="en-US" sz="1800" dirty="0">
-              <a:solidFill>
-                <a:schemeClr val="bg2"/>
-              </a:solidFill>
-            </a:endParaRPr>
-          </a:p>
-        </p:txBody>
-      </p:sp>
-      <p:sp>
-        <p:nvSpPr>
-          <p:cNvPr id="738322" name="Rectangle 18"/>
-          <p:cNvSpPr>
-            <a:spLocks noChangeArrowheads="1"/>
-          </p:cNvSpPr>
-          <p:nvPr/>
-        </p:nvSpPr>
-        <p:spPr bwMode="auto">
-          <a:xfrm>
-            <a:off x="363538" y="2136775"/>
-            <a:ext cx="841375" cy="2968625"/>
-          </a:xfrm>
-          <a:prstGeom prst="rect">
-            <a:avLst/>
-          </a:prstGeom>
-          <a:solidFill>
-            <a:schemeClr val="tx1"/>
-          </a:solidFill>
-          <a:ln>
-            <a:noFill/>
-          </a:ln>
-          <a:effectLst/>
-          <a:extLst>
-            <a:ext uri="{91240B29-F687-4F45-9708-019B960494DF}">
-              <a14:hiddenLine xmlns:a14="http://schemas.microsoft.com/office/drawing/2010/main" w="9525">
-                <a:solidFill>
-                  <a:srgbClr val="1E408E"/>
-                </a:solidFill>
-                <a:miter lim="800000"/>
-                <a:headEnd/>
-                <a:tailEnd/>
-              </a14:hiddenLine>
-            </a:ext>
-            <a:ext uri="{AF507438-7753-43E0-B8FC-AC1667EBCBE1}">
-              <a14:hiddenEffects xmlns:a14="http://schemas.microsoft.com/office/drawing/2010/main">
-                <a:effectLst>
-                  <a:outerShdw dist="35921" dir="2700000" algn="ctr" rotWithShape="0">
-                    <a:srgbClr val="808080"/>
-                  </a:outerShdw>
-                </a:effectLst>
-              </a14:hiddenEffects>
-            </a:ext>
-          </a:extLst>
-        </p:spPr>
-        <p:txBody>
-          <a:bodyPr/>
-          <a:lstStyle/>
-          <a:p>
-            <a:endParaRPr lang="en-US"/>
-          </a:p>
-        </p:txBody>
-      </p:sp>
-      <p:sp>
-        <p:nvSpPr>
-          <p:cNvPr id="738324" name="Rectangle 20"/>
-          <p:cNvSpPr>
-            <a:spLocks noChangeArrowheads="1"/>
-          </p:cNvSpPr>
-          <p:nvPr/>
-        </p:nvSpPr>
-        <p:spPr bwMode="auto">
-          <a:xfrm>
-            <a:off x="2295525" y="2127250"/>
-            <a:ext cx="841375" cy="2968625"/>
-          </a:xfrm>
-          <a:prstGeom prst="rect">
-            <a:avLst/>
-          </a:prstGeom>
-          <a:solidFill>
-            <a:schemeClr val="tx2"/>
-          </a:solidFill>
-          <a:ln>
-            <a:noFill/>
-          </a:ln>
-          <a:effectLst/>
-          <a:extLst/>
-        </p:spPr>
-        <p:txBody>
-          <a:bodyPr wrap="none" anchor="ctr"/>
-          <a:lstStyle/>
-          <a:p>
-            <a:endParaRPr lang="en-US"/>
-          </a:p>
-        </p:txBody>
-      </p:sp>
-      <p:sp>
-        <p:nvSpPr>
-          <p:cNvPr id="738325" name="Rectangle 21"/>
-          <p:cNvSpPr>
-            <a:spLocks noChangeArrowheads="1"/>
-          </p:cNvSpPr>
-          <p:nvPr/>
-        </p:nvSpPr>
-        <p:spPr bwMode="auto">
-          <a:xfrm>
-            <a:off x="3260725" y="2136775"/>
-            <a:ext cx="841375" cy="2968625"/>
-          </a:xfrm>
-          <a:prstGeom prst="rect">
-            <a:avLst/>
-          </a:prstGeom>
-          <a:solidFill>
-            <a:schemeClr val="accent1"/>
-          </a:solidFill>
-          <a:ln>
-            <a:noFill/>
-          </a:ln>
-          <a:effectLst/>
-          <a:extLst/>
-        </p:spPr>
-        <p:txBody>
-          <a:bodyPr wrap="none" anchor="ctr"/>
-          <a:lstStyle/>
-          <a:p>
-            <a:endParaRPr lang="en-US"/>
-          </a:p>
-        </p:txBody>
-      </p:sp>
-      <p:sp>
-        <p:nvSpPr>
-          <p:cNvPr id="738326" name="Rectangle 22"/>
-          <p:cNvSpPr>
-            <a:spLocks noChangeArrowheads="1"/>
-          </p:cNvSpPr>
-          <p:nvPr/>
-        </p:nvSpPr>
-        <p:spPr bwMode="auto">
-          <a:xfrm>
-            <a:off x="4227513" y="2136775"/>
-            <a:ext cx="841375" cy="2968625"/>
-          </a:xfrm>
-          <a:prstGeom prst="rect">
-            <a:avLst/>
-          </a:prstGeom>
-          <a:solidFill>
-            <a:schemeClr val="accent2"/>
-          </a:solidFill>
-          <a:ln>
-            <a:noFill/>
-          </a:ln>
-          <a:effectLst/>
-          <a:extLst/>
-        </p:spPr>
-        <p:txBody>
-          <a:bodyPr wrap="none" anchor="ctr"/>
-          <a:lstStyle/>
-          <a:p>
-            <a:endParaRPr lang="en-US"/>
-          </a:p>
-        </p:txBody>
-      </p:sp>
-      <p:sp>
-        <p:nvSpPr>
-          <p:cNvPr id="738327" name="Rectangle 23"/>
-          <p:cNvSpPr>
-            <a:spLocks noChangeArrowheads="1"/>
-          </p:cNvSpPr>
-          <p:nvPr/>
-        </p:nvSpPr>
-        <p:spPr bwMode="auto">
-          <a:xfrm>
-            <a:off x="5184775" y="2135188"/>
-            <a:ext cx="841375" cy="2968625"/>
-          </a:xfrm>
-          <a:prstGeom prst="rect">
-            <a:avLst/>
-          </a:prstGeom>
-          <a:solidFill>
-            <a:schemeClr val="accent5"/>
-          </a:solidFill>
-          <a:ln>
-            <a:noFill/>
-          </a:ln>
-          <a:effectLst/>
-          <a:extLst/>
-        </p:spPr>
-        <p:txBody>
-          <a:bodyPr wrap="none" anchor="ctr"/>
-          <a:lstStyle/>
-          <a:p>
-            <a:endParaRPr lang="en-US"/>
-          </a:p>
-        </p:txBody>
-      </p:sp>
-      <p:sp>
-        <p:nvSpPr>
-          <p:cNvPr id="738328" name="Rectangle 24"/>
-          <p:cNvSpPr>
-            <a:spLocks noChangeArrowheads="1"/>
-          </p:cNvSpPr>
-          <p:nvPr/>
-        </p:nvSpPr>
-        <p:spPr bwMode="auto">
-          <a:xfrm>
-            <a:off x="6159500" y="2135188"/>
-            <a:ext cx="841375" cy="2968625"/>
-          </a:xfrm>
-          <a:prstGeom prst="rect">
-            <a:avLst/>
-          </a:prstGeom>
-          <a:solidFill>
-            <a:schemeClr val="folHlink"/>
-          </a:solidFill>
-          <a:ln w="9525">
-            <a:solidFill>
-              <a:schemeClr val="folHlink"/>
-            </a:solidFill>
-            <a:miter lim="800000"/>
-            <a:headEnd/>
-            <a:tailEnd/>
-          </a:ln>
-          <a:effectLst/>
-          <a:extLst>
-            <a:ext uri="{AF507438-7753-43E0-B8FC-AC1667EBCBE1}">
-              <a14:hiddenEffects xmlns:a14="http://schemas.microsoft.com/office/drawing/2010/main">
-                <a:effectLst>
-                  <a:outerShdw dist="35921" dir="2700000" algn="ctr" rotWithShape="0">
-                    <a:schemeClr val="bg2"/>
-                  </a:outerShdw>
-                </a:effectLst>
-              </a14:hiddenEffects>
-            </a:ext>
-          </a:extLst>
-        </p:spPr>
-        <p:txBody>
-          <a:bodyPr wrap="none" anchor="ctr"/>
-          <a:lstStyle/>
-          <a:p>
-            <a:endParaRPr lang="en-US"/>
-          </a:p>
-        </p:txBody>
-      </p:sp>
-      <p:sp>
-        <p:nvSpPr>
-          <p:cNvPr id="738329" name="Text Box 25"/>
-          <p:cNvSpPr txBox="1">
-            <a:spLocks noChangeArrowheads="1"/>
-          </p:cNvSpPr>
-          <p:nvPr/>
-        </p:nvSpPr>
-        <p:spPr bwMode="auto">
-          <a:xfrm>
-            <a:off x="7689850" y="1247775"/>
-            <a:ext cx="620713" cy="733425"/>
-          </a:xfrm>
-          <a:prstGeom prst="rect">
-            <a:avLst/>
-          </a:prstGeom>
-          <a:noFill/>
-          <a:ln>
-            <a:noFill/>
-          </a:ln>
-          <a:effectLst/>
-          <a:extLst>
-            <a:ext uri="{909E8E84-426E-40DD-AFC4-6F175D3DCCD1}">
-              <a14:hiddenFill xmlns:a14="http://schemas.microsoft.com/office/drawing/2010/main">
-                <a:solidFill>
-                  <a:schemeClr val="accent1"/>
-                </a:solidFill>
-              </a14:hiddenFill>
-            </a:ext>
-            <a:ext uri="{91240B29-F687-4F45-9708-019B960494DF}">
-              <a14:hiddenLine xmlns:a14="http://schemas.microsoft.com/office/drawing/2010/main" w="9525">
-                <a:solidFill>
-                  <a:schemeClr val="tx1"/>
-                </a:solidFill>
-                <a:miter lim="800000"/>
-                <a:headEnd/>
-                <a:tailEnd/>
-              </a14:hiddenLine>
-            </a:ext>
-            <a:ext uri="{AF507438-7753-43E0-B8FC-AC1667EBCBE1}">
-              <a14:hiddenEffects xmlns:a14="http://schemas.microsoft.com/office/drawing/2010/main">
-                <a:effectLst>
-                  <a:outerShdw dist="35921" dir="2700000" algn="ctr" rotWithShape="0">
-                    <a:schemeClr val="bg2"/>
-                  </a:outerShdw>
-                </a:effectLst>
-              </a14:hiddenEffects>
-            </a:ext>
-          </a:extLst>
-        </p:spPr>
-        <p:txBody>
-          <a:bodyPr wrap="none" lIns="0" tIns="0" rIns="0" bIns="0">
-            <a:spAutoFit/>
-          </a:bodyPr>
-          <a:lstStyle/>
-          <a:p>
-            <a:r>
-              <a:rPr lang="en-US" sz="1600"/>
-              <a:t>R- 235</a:t>
-            </a:r>
-          </a:p>
-          <a:p>
-            <a:r>
-              <a:rPr lang="en-US" sz="1600"/>
-              <a:t>G- 215</a:t>
-            </a:r>
-          </a:p>
-          <a:p>
-            <a:r>
-              <a:rPr lang="en-US" sz="1600"/>
-              <a:t>B- 10</a:t>
-            </a:r>
-          </a:p>
-        </p:txBody>
-      </p:sp>
-      <p:sp>
-        <p:nvSpPr>
-          <p:cNvPr id="738330" name="Text Box 26"/>
-          <p:cNvSpPr txBox="1">
-            <a:spLocks noChangeArrowheads="1"/>
-          </p:cNvSpPr>
-          <p:nvPr/>
-        </p:nvSpPr>
-        <p:spPr bwMode="auto">
-          <a:xfrm>
-            <a:off x="7610475" y="5181600"/>
-            <a:ext cx="1060450" cy="641350"/>
-          </a:xfrm>
-          <a:prstGeom prst="rect">
-            <a:avLst/>
-          </a:prstGeom>
-          <a:noFill/>
-          <a:ln>
-            <a:noFill/>
-          </a:ln>
-          <a:effectLst/>
-          <a:extLst>
-            <a:ext uri="{909E8E84-426E-40DD-AFC4-6F175D3DCCD1}">
-              <a14:hiddenFill xmlns:a14="http://schemas.microsoft.com/office/drawing/2010/main">
-                <a:solidFill>
-                  <a:schemeClr val="accent1"/>
-                </a:solidFill>
-              </a14:hiddenFill>
-            </a:ext>
-            <a:ext uri="{91240B29-F687-4F45-9708-019B960494DF}">
-              <a14:hiddenLine xmlns:a14="http://schemas.microsoft.com/office/drawing/2010/main" w="9525">
-                <a:solidFill>
-                  <a:schemeClr val="tx1"/>
-                </a:solidFill>
-                <a:miter lim="800000"/>
-                <a:headEnd/>
-                <a:tailEnd/>
-              </a14:hiddenLine>
-            </a:ext>
-            <a:ext uri="{AF507438-7753-43E0-B8FC-AC1667EBCBE1}">
-              <a14:hiddenEffects xmlns:a14="http://schemas.microsoft.com/office/drawing/2010/main">
-                <a:effectLst>
-                  <a:outerShdw dist="35921" dir="2700000" algn="ctr" rotWithShape="0">
-                    <a:schemeClr val="bg2"/>
-                  </a:outerShdw>
-                </a:effectLst>
-              </a14:hiddenEffects>
-            </a:ext>
-          </a:extLst>
-        </p:spPr>
-        <p:txBody>
-          <a:bodyPr wrap="none">
-            <a:spAutoFit/>
-          </a:bodyPr>
-          <a:lstStyle/>
-          <a:p>
-            <a:r>
-              <a:rPr lang="en-US" sz="1800">
-                <a:solidFill>
-                  <a:srgbClr val="EBD70A"/>
-                </a:solidFill>
-              </a:rPr>
-              <a:t>Abc123</a:t>
-            </a:r>
-          </a:p>
-          <a:p>
-            <a:r>
-              <a:rPr lang="en-US" sz="1800" b="1">
-                <a:solidFill>
-                  <a:srgbClr val="EBD70A"/>
-                </a:solidFill>
-              </a:rPr>
-              <a:t>ABC123</a:t>
-            </a:r>
-            <a:endParaRPr lang="en-US" sz="1800">
-              <a:solidFill>
-                <a:srgbClr val="EBD70A"/>
-              </a:solidFill>
-            </a:endParaRPr>
-          </a:p>
-        </p:txBody>
-      </p:sp>
-      <p:sp>
-        <p:nvSpPr>
-          <p:cNvPr id="738331" name="Rectangle 27"/>
-          <p:cNvSpPr>
-            <a:spLocks noChangeArrowheads="1"/>
-          </p:cNvSpPr>
-          <p:nvPr/>
-        </p:nvSpPr>
-        <p:spPr bwMode="auto">
-          <a:xfrm>
-            <a:off x="7696200" y="2135188"/>
-            <a:ext cx="841375" cy="2968625"/>
-          </a:xfrm>
-          <a:prstGeom prst="rect">
-            <a:avLst/>
-          </a:prstGeom>
-          <a:solidFill>
-            <a:schemeClr val="accent6"/>
-          </a:solidFill>
-          <a:ln>
-            <a:noFill/>
-          </a:ln>
-          <a:effectLst/>
-          <a:extLst/>
-        </p:spPr>
-        <p:txBody>
-          <a:bodyPr wrap="none" anchor="ctr"/>
-          <a:lstStyle/>
-          <a:p>
-            <a:endParaRPr lang="en-US"/>
-          </a:p>
-        </p:txBody>
-      </p:sp>
-      <p:sp>
-        <p:nvSpPr>
-          <p:cNvPr id="738332" name="Rectangle 28"/>
-          <p:cNvSpPr>
-            <a:spLocks noChangeArrowheads="1"/>
-          </p:cNvSpPr>
-          <p:nvPr/>
-        </p:nvSpPr>
-        <p:spPr bwMode="auto">
-          <a:xfrm>
-            <a:off x="1309688" y="2136775"/>
-            <a:ext cx="841375" cy="2968625"/>
-          </a:xfrm>
-          <a:prstGeom prst="rect">
-            <a:avLst/>
-          </a:prstGeom>
-          <a:solidFill>
-            <a:schemeClr val="accent3"/>
-          </a:solidFill>
-          <a:ln>
-            <a:noFill/>
-          </a:ln>
-          <a:effectLst/>
-          <a:extLst/>
-        </p:spPr>
-        <p:txBody>
-          <a:bodyPr/>
-          <a:lstStyle/>
-          <a:p>
-            <a:endParaRPr lang="en-US"/>
           </a:p>
         </p:txBody>
       </p:sp>
@@ -5495,7 +3499,18 @@
             <a:pPr algn="ctr"/>
             <a:r>
               <a:rPr lang="en-US" dirty="0" smtClean="0"/>
-              <a:t>Simulink Model</a:t>
+              <a:t>Simulink </a:t>
+            </a:r>
+            <a:r>
+              <a:rPr lang="en-US" dirty="0" smtClean="0"/>
+              <a:t>Model</a:t>
+            </a:r>
+            <a:br>
+              <a:rPr lang="en-US" dirty="0" smtClean="0"/>
+            </a:br>
+            <a:r>
+              <a:rPr lang="en-US" dirty="0" smtClean="0"/>
+              <a:t>howard_lin_r2013a_20160129</a:t>
             </a:r>
             <a:endParaRPr lang="en-US" dirty="0"/>
           </a:p>
@@ -5503,32 +3518,32 @@
       </p:sp>
       <p:graphicFrame>
         <p:nvGraphicFramePr>
-          <p:cNvPr id="4" name="Object 3"/>
+          <p:cNvPr id="3" name="Object 2"/>
           <p:cNvGraphicFramePr>
             <a:graphicFrameLocks noChangeAspect="1"/>
           </p:cNvGraphicFramePr>
           <p:nvPr>
             <p:extLst>
               <p:ext uri="{D42A27DB-BD31-4B8C-83A1-F6EECF244321}">
-                <p14:modId xmlns:p14="http://schemas.microsoft.com/office/powerpoint/2010/main" val="1487831494"/>
+                <p14:modId xmlns:p14="http://schemas.microsoft.com/office/powerpoint/2010/main" val="1939888794"/>
               </p:ext>
             </p:extLst>
           </p:nvPr>
         </p:nvGraphicFramePr>
         <p:xfrm>
-          <a:off x="5870575" y="5216525"/>
-          <a:ext cx="1804988" cy="685800"/>
+          <a:off x="5507038" y="4894263"/>
+          <a:ext cx="2644775" cy="685800"/>
         </p:xfrm>
         <a:graphic>
           <a:graphicData uri="http://schemas.openxmlformats.org/presentationml/2006/ole">
             <mc:AlternateContent xmlns:mc="http://schemas.openxmlformats.org/markup-compatibility/2006">
               <mc:Choice xmlns:v="urn:schemas-microsoft-com:vml" Requires="v">
-                <p:oleObj spid="_x0000_s791561" name="Packager Shell Object" showAsIcon="1" r:id="rId3" imgW="1805040" imgH="685440" progId="Package">
+                <p:oleObj spid="_x0000_s791566" name="Packager Shell Object" showAsIcon="1" r:id="rId3" imgW="2644200" imgH="685440" progId="Package">
                   <p:embed/>
                 </p:oleObj>
               </mc:Choice>
               <mc:Fallback>
-                <p:oleObj name="Packager Shell Object" showAsIcon="1" r:id="rId3" imgW="1805040" imgH="685440" progId="Package">
+                <p:oleObj name="Packager Shell Object" showAsIcon="1" r:id="rId3" imgW="2644200" imgH="685440" progId="Package">
                   <p:embed/>
                   <p:pic>
                     <p:nvPicPr>
@@ -5544,8 +3559,8 @@
                     </p:blipFill>
                     <p:spPr>
                       <a:xfrm>
-                        <a:off x="5870575" y="5216525"/>
-                        <a:ext cx="1804988" cy="685800"/>
+                        <a:off x="5507038" y="4894263"/>
+                        <a:ext cx="2644775" cy="685800"/>
                       </a:xfrm>
                       <a:prstGeom prst="rect">
                         <a:avLst/>
@@ -5611,8 +3626,8 @@
         </p:blipFill>
         <p:spPr bwMode="auto">
           <a:xfrm>
-            <a:off x="871538" y="481013"/>
-            <a:ext cx="7400925" cy="5895975"/>
+            <a:off x="267746" y="0"/>
+            <a:ext cx="8606089" cy="6856073"/>
           </a:xfrm>
           <a:prstGeom prst="rect">
             <a:avLst/>
@@ -5652,6 +3667,35 @@
           </a:extLst>
         </p:spPr>
       </p:pic>
+      <p:sp>
+        <p:nvSpPr>
+          <p:cNvPr id="3" name="TextBox 2"/>
+          <p:cNvSpPr txBox="1"/>
+          <p:nvPr/>
+        </p:nvSpPr>
+        <p:spPr>
+          <a:xfrm>
+            <a:off x="394855" y="6369628"/>
+            <a:ext cx="4221284" cy="461665"/>
+          </a:xfrm>
+          <a:prstGeom prst="rect">
+            <a:avLst/>
+          </a:prstGeom>
+          <a:noFill/>
+        </p:spPr>
+        <p:txBody>
+          <a:bodyPr wrap="none" rtlCol="0">
+            <a:spAutoFit/>
+          </a:bodyPr>
+          <a:lstStyle/>
+          <a:p>
+            <a:r>
+              <a:rPr lang="en-US" sz="2400" dirty="0"/>
+              <a:t>howard_lin_r2013a_20160129</a:t>
+            </a:r>
+          </a:p>
+        </p:txBody>
+      </p:sp>
     </p:spTree>
     <p:extLst>
       <p:ext uri="{BB962C8B-B14F-4D97-AF65-F5344CB8AC3E}">
@@ -5705,7 +3749,7 @@
         </p:blipFill>
         <p:spPr bwMode="auto">
           <a:xfrm>
-            <a:off x="-31173" y="459142"/>
+            <a:off x="0" y="459142"/>
             <a:ext cx="9071264" cy="5652445"/>
           </a:xfrm>
           <a:prstGeom prst="rect">
@@ -5746,6 +3790,34 @@
           </a:extLst>
         </p:spPr>
       </p:pic>
+      <p:sp>
+        <p:nvSpPr>
+          <p:cNvPr id="2" name="Rectangle 1"/>
+          <p:cNvSpPr/>
+          <p:nvPr/>
+        </p:nvSpPr>
+        <p:spPr>
+          <a:xfrm>
+            <a:off x="436416" y="6111587"/>
+            <a:ext cx="6681355" cy="584775"/>
+          </a:xfrm>
+          <a:prstGeom prst="rect">
+            <a:avLst/>
+          </a:prstGeom>
+        </p:spPr>
+        <p:txBody>
+          <a:bodyPr wrap="square">
+            <a:spAutoFit/>
+          </a:bodyPr>
+          <a:lstStyle/>
+          <a:p>
+            <a:r>
+              <a:rPr lang="en-US" dirty="0"/>
+              <a:t>howard_lin_r2013a_20160129</a:t>
+            </a:r>
+          </a:p>
+        </p:txBody>
+      </p:sp>
     </p:spTree>
     <p:extLst>
       <p:ext uri="{BB962C8B-B14F-4D97-AF65-F5344CB8AC3E}">
@@ -5801,687 +3873,609 @@
       </p:sp>
       <p:sp>
         <p:nvSpPr>
-          <p:cNvPr id="3" name="Content Placeholder 2"/>
-          <p:cNvSpPr>
-            <a:spLocks noGrp="1"/>
-          </p:cNvSpPr>
-          <p:nvPr>
-            <p:ph idx="1"/>
-          </p:nvPr>
+          <p:cNvPr id="4" name="TextBox 3"/>
+          <p:cNvSpPr txBox="1"/>
+          <p:nvPr/>
         </p:nvSpPr>
         <p:spPr>
           <a:xfrm>
-            <a:off x="1652154" y="999836"/>
-            <a:ext cx="6826828" cy="4237038"/>
+            <a:off x="5798127" y="779319"/>
+            <a:ext cx="2047009" cy="5078313"/>
           </a:xfrm>
+          <a:prstGeom prst="rect">
+            <a:avLst/>
+          </a:prstGeom>
+          <a:noFill/>
         </p:spPr>
         <p:txBody>
-          <a:bodyPr/>
+          <a:bodyPr wrap="square" rtlCol="0">
+            <a:spAutoFit/>
+          </a:bodyPr>
           <a:lstStyle/>
           <a:p>
-            <a:pPr>
-              <a:lnSpc>
-                <a:spcPct val="100000"/>
-              </a:lnSpc>
-              <a:spcBef>
-                <a:spcPts val="0"/>
-              </a:spcBef>
-            </a:pPr>
-            <a:r>
-              <a:rPr lang="en-US" sz="800" dirty="0" smtClean="0"/>
+            <a:r>
+              <a:rPr lang="en-US" sz="900" dirty="0"/>
+              <a:t>Ta0=Temp;</a:t>
+            </a:r>
+          </a:p>
+          <a:p>
+            <a:r>
+              <a:rPr lang="en-US" sz="900" dirty="0"/>
+              <a:t>Tw0 = (Ta0*Ha + OAT*Ho)/(</a:t>
+            </a:r>
+            <a:r>
+              <a:rPr lang="en-US" sz="900" dirty="0" err="1"/>
+              <a:t>Ho+Ha</a:t>
+            </a:r>
+            <a:r>
+              <a:rPr lang="en-US" sz="900" dirty="0"/>
+              <a:t>);</a:t>
+            </a:r>
+          </a:p>
+          <a:p>
+            <a:r>
+              <a:rPr lang="en-US" sz="900" dirty="0"/>
+              <a:t>Tb0=max(min(interp1([Rn Rx],[</a:t>
+            </a:r>
+            <a:r>
+              <a:rPr lang="en-US" sz="900" dirty="0" err="1"/>
+              <a:t>Tn</a:t>
+            </a:r>
+            <a:r>
+              <a:rPr lang="en-US" sz="900" dirty="0"/>
+              <a:t> </a:t>
+            </a:r>
+            <a:r>
+              <a:rPr lang="en-US" sz="900" dirty="0" err="1"/>
+              <a:t>Tx</a:t>
+            </a:r>
+            <a:r>
+              <a:rPr lang="en-US" sz="900" dirty="0"/>
+              <a:t>],OAT), </a:t>
+            </a:r>
+            <a:r>
+              <a:rPr lang="en-US" sz="900" dirty="0" err="1"/>
+              <a:t>Tn</a:t>
+            </a:r>
+            <a:r>
+              <a:rPr lang="en-US" sz="900" dirty="0"/>
+              <a:t>),</a:t>
+            </a:r>
+            <a:r>
+              <a:rPr lang="en-US" sz="900" dirty="0" err="1"/>
+              <a:t>Tx</a:t>
+            </a:r>
+            <a:r>
+              <a:rPr lang="en-US" sz="900" dirty="0"/>
+              <a:t>);</a:t>
+            </a:r>
+          </a:p>
+          <a:p>
+            <a:r>
+              <a:rPr lang="en-US" sz="900" dirty="0"/>
+              <a:t>Tc0 = ((</a:t>
+            </a:r>
+            <a:r>
+              <a:rPr lang="en-US" sz="900" dirty="0" err="1"/>
+              <a:t>Ha+Hc</a:t>
+            </a:r>
+            <a:r>
+              <a:rPr lang="en-US" sz="900" dirty="0"/>
+              <a:t>)*Ta0 - Ha*Tw0) / </a:t>
+            </a:r>
+            <a:r>
+              <a:rPr lang="en-US" sz="900" dirty="0" err="1"/>
+              <a:t>Hc</a:t>
+            </a:r>
+            <a:r>
+              <a:rPr lang="en-US" sz="900" dirty="0"/>
+              <a:t>;</a:t>
+            </a:r>
+          </a:p>
+          <a:p>
+            <a:r>
+              <a:rPr lang="en-US" sz="900" dirty="0"/>
+              <a:t>D0 =max(min( </a:t>
+            </a:r>
+            <a:r>
+              <a:rPr lang="en-US" sz="900" dirty="0" err="1"/>
+              <a:t>Hc</a:t>
+            </a:r>
+            <a:r>
+              <a:rPr lang="en-US" sz="900" dirty="0"/>
+              <a:t>*(Tc0-Ta0)/(</a:t>
+            </a:r>
+            <a:r>
+              <a:rPr lang="en-US" sz="900" dirty="0" err="1"/>
+              <a:t>Hf</a:t>
+            </a:r>
+            <a:r>
+              <a:rPr lang="en-US" sz="900" dirty="0"/>
+              <a:t>*(Tb0-Tc0)), 1), 1e-32);</a:t>
+            </a:r>
+          </a:p>
+          <a:p>
+            <a:r>
+              <a:rPr lang="en-US" sz="900" dirty="0"/>
+              <a:t/>
+            </a:r>
+            <a:br>
+              <a:rPr lang="en-US" sz="900" dirty="0"/>
+            </a:br>
+            <a:endParaRPr lang="en-US" sz="900" dirty="0"/>
+          </a:p>
+          <a:p>
+            <a:r>
+              <a:rPr lang="en-US" sz="900" dirty="0"/>
+              <a:t>Ta1=SET(1,2);</a:t>
+            </a:r>
+          </a:p>
+          <a:p>
+            <a:r>
+              <a:rPr lang="en-US" sz="900" dirty="0"/>
+              <a:t>Tw1 = (Ta1*Ha + OAT*Ho)/(</a:t>
+            </a:r>
+            <a:r>
+              <a:rPr lang="en-US" sz="900" dirty="0" err="1"/>
+              <a:t>Ho+Ha</a:t>
+            </a:r>
+            <a:r>
+              <a:rPr lang="en-US" sz="900" dirty="0"/>
+              <a:t>);</a:t>
+            </a:r>
+          </a:p>
+          <a:p>
+            <a:r>
+              <a:rPr lang="en-US" sz="900" dirty="0"/>
+              <a:t>Tb1=max(min(interp1([Rn Rx],[</a:t>
+            </a:r>
+            <a:r>
+              <a:rPr lang="en-US" sz="900" dirty="0" err="1"/>
+              <a:t>Tn</a:t>
+            </a:r>
+            <a:r>
+              <a:rPr lang="en-US" sz="900" dirty="0"/>
+              <a:t> </a:t>
+            </a:r>
+            <a:r>
+              <a:rPr lang="en-US" sz="900" dirty="0" err="1"/>
+              <a:t>Tx</a:t>
+            </a:r>
+            <a:r>
+              <a:rPr lang="en-US" sz="900" dirty="0"/>
+              <a:t>],OAT), </a:t>
+            </a:r>
+            <a:r>
+              <a:rPr lang="en-US" sz="900" dirty="0" err="1"/>
+              <a:t>Tn</a:t>
+            </a:r>
+            <a:r>
+              <a:rPr lang="en-US" sz="900" dirty="0"/>
+              <a:t>),</a:t>
+            </a:r>
+            <a:r>
+              <a:rPr lang="en-US" sz="900" dirty="0" err="1"/>
+              <a:t>Tx</a:t>
+            </a:r>
+            <a:r>
+              <a:rPr lang="en-US" sz="900" dirty="0"/>
+              <a:t>);</a:t>
+            </a:r>
+          </a:p>
+          <a:p>
+            <a:r>
+              <a:rPr lang="en-US" sz="900" dirty="0"/>
+              <a:t>Tc1 = ((</a:t>
+            </a:r>
+            <a:r>
+              <a:rPr lang="en-US" sz="900" dirty="0" err="1"/>
+              <a:t>Ha+Hc</a:t>
+            </a:r>
+            <a:r>
+              <a:rPr lang="en-US" sz="900" dirty="0"/>
+              <a:t>)*Ta1 - Ha*Tw1) / </a:t>
+            </a:r>
+            <a:r>
+              <a:rPr lang="en-US" sz="900" dirty="0" err="1"/>
+              <a:t>Hc</a:t>
+            </a:r>
+            <a:r>
+              <a:rPr lang="en-US" sz="900" dirty="0"/>
+              <a:t>;</a:t>
+            </a:r>
+          </a:p>
+          <a:p>
+            <a:r>
+              <a:rPr lang="en-US" sz="900" dirty="0"/>
+              <a:t>D1 =max(min( </a:t>
+            </a:r>
+            <a:r>
+              <a:rPr lang="en-US" sz="900" dirty="0" err="1"/>
+              <a:t>Hc</a:t>
+            </a:r>
+            <a:r>
+              <a:rPr lang="en-US" sz="900" dirty="0"/>
+              <a:t>*(Tc1-Ta1)/(</a:t>
+            </a:r>
+            <a:r>
+              <a:rPr lang="en-US" sz="900" dirty="0" err="1"/>
+              <a:t>Hf</a:t>
+            </a:r>
+            <a:r>
+              <a:rPr lang="en-US" sz="900" dirty="0"/>
+              <a:t>*(Tb1-Tc1)), 1), 1e-32);</a:t>
+            </a:r>
+          </a:p>
+          <a:p>
+            <a:r>
+              <a:rPr lang="en-US" sz="900" dirty="0"/>
+              <a:t/>
+            </a:r>
+            <a:br>
+              <a:rPr lang="en-US" sz="900" dirty="0"/>
+            </a:br>
+            <a:endParaRPr lang="en-US" sz="900" dirty="0"/>
+          </a:p>
+          <a:p>
+            <a:r>
+              <a:rPr lang="en-US" sz="900" dirty="0"/>
+              <a:t>% Note: not steady state at initialization</a:t>
+            </a:r>
+          </a:p>
+          <a:p>
+            <a:r>
+              <a:rPr lang="en-US" sz="900" dirty="0"/>
+              <a:t>if D0&gt;D1</a:t>
+            </a:r>
+          </a:p>
+          <a:p>
+            <a:r>
+              <a:rPr lang="en-US" sz="900" dirty="0"/>
+              <a:t>DUTY0 = 0;</a:t>
+            </a:r>
+          </a:p>
+          <a:p>
+            <a:r>
+              <a:rPr lang="en-US" sz="900" dirty="0"/>
+              <a:t>% Used by thermostat</a:t>
+            </a:r>
+          </a:p>
+          <a:p>
+            <a:r>
+              <a:rPr lang="en-US" sz="900" dirty="0" err="1"/>
+              <a:t>intEi</a:t>
+            </a:r>
+            <a:r>
+              <a:rPr lang="en-US" sz="900" dirty="0"/>
+              <a:t> = max(min(D0*(Tb0-Tc0)*</a:t>
+            </a:r>
+            <a:r>
+              <a:rPr lang="en-US" sz="900" dirty="0" err="1"/>
+              <a:t>Hf</a:t>
+            </a:r>
+            <a:r>
+              <a:rPr lang="en-US" sz="900" dirty="0"/>
+              <a:t>/.005, 1), 0);</a:t>
+            </a:r>
+          </a:p>
+          <a:p>
+            <a:r>
+              <a:rPr lang="en-US" sz="900" dirty="0"/>
+              <a:t>% Needed to balance model</a:t>
+            </a:r>
+          </a:p>
+          <a:p>
+            <a:r>
+              <a:rPr lang="en-US" sz="900" dirty="0" err="1"/>
+              <a:t>intEi</a:t>
+            </a:r>
+            <a:r>
+              <a:rPr lang="en-US" sz="900" dirty="0"/>
+              <a:t> = max(min(</a:t>
+            </a:r>
+            <a:r>
+              <a:rPr lang="en-US" sz="900" dirty="0" err="1"/>
+              <a:t>otherHeat</a:t>
+            </a:r>
+            <a:r>
+              <a:rPr lang="en-US" sz="900" dirty="0"/>
+              <a:t>(1,2)/.005, 1), 0);</a:t>
+            </a:r>
+          </a:p>
+          <a:p>
+            <a:r>
+              <a:rPr lang="en-US" sz="900" dirty="0"/>
+              <a:t>else</a:t>
+            </a:r>
+          </a:p>
+          <a:p>
+            <a:r>
+              <a:rPr lang="en-US" sz="900" dirty="0"/>
+              <a:t>DUTY0 = D1;</a:t>
+            </a:r>
+          </a:p>
+          <a:p>
+            <a:r>
+              <a:rPr lang="en-US" sz="900" dirty="0" err="1"/>
+              <a:t>intEi</a:t>
+            </a:r>
+            <a:r>
+              <a:rPr lang="en-US" sz="900" dirty="0"/>
+              <a:t> = 0;</a:t>
+            </a:r>
+          </a:p>
+          <a:p>
+            <a:r>
+              <a:rPr lang="en-US" sz="900" dirty="0"/>
+              <a:t>end</a:t>
+            </a:r>
+          </a:p>
+          <a:p>
+            <a:r>
+              <a:rPr lang="en-US" sz="900" dirty="0"/>
+              <a:t/>
+            </a:r>
+            <a:br>
+              <a:rPr lang="en-US" sz="900" dirty="0"/>
+            </a:br>
+            <a:endParaRPr lang="en-US" sz="900" dirty="0"/>
+          </a:p>
+          <a:p>
+            <a:r>
+              <a:rPr lang="en-US" sz="900" dirty="0"/>
+              <a:t/>
+            </a:r>
+            <a:br>
+              <a:rPr lang="en-US" sz="900" dirty="0"/>
+            </a:br>
+            <a:endParaRPr lang="en-US" sz="900" dirty="0"/>
+          </a:p>
+        </p:txBody>
+      </p:sp>
+      <p:sp>
+        <p:nvSpPr>
+          <p:cNvPr id="6" name="TextBox 5"/>
+          <p:cNvSpPr txBox="1"/>
+          <p:nvPr/>
+        </p:nvSpPr>
+        <p:spPr>
+          <a:xfrm>
+            <a:off x="1939637" y="1014846"/>
+            <a:ext cx="2047009" cy="4801314"/>
+          </a:xfrm>
+          <a:prstGeom prst="rect">
+            <a:avLst/>
+          </a:prstGeom>
+          <a:noFill/>
+        </p:spPr>
+        <p:txBody>
+          <a:bodyPr wrap="square" rtlCol="0">
+            <a:spAutoFit/>
+          </a:bodyPr>
+          <a:lstStyle/>
+          <a:p>
+            <a:r>
+              <a:rPr lang="en-US" sz="900" dirty="0"/>
+              <a:t>OAT=30;</a:t>
+            </a:r>
+          </a:p>
+          <a:p>
+            <a:r>
+              <a:rPr lang="en-US" sz="900" dirty="0"/>
+              <a:t>Temp=68;</a:t>
+            </a:r>
+          </a:p>
+          <a:p>
+            <a:r>
+              <a:rPr lang="en-US" sz="900" dirty="0" smtClean="0"/>
+              <a:t>Rn=29</a:t>
+            </a:r>
+            <a:r>
+              <a:rPr lang="en-US" sz="900" dirty="0"/>
+              <a:t>;</a:t>
+            </a:r>
+          </a:p>
+          <a:p>
+            <a:r>
+              <a:rPr lang="en-US" sz="900" dirty="0"/>
+              <a:t>Rx=69;</a:t>
+            </a:r>
+          </a:p>
+          <a:p>
+            <a:r>
+              <a:rPr lang="en-US" sz="900" dirty="0" err="1"/>
+              <a:t>Tn</a:t>
+            </a:r>
+            <a:r>
+              <a:rPr lang="en-US" sz="900" dirty="0"/>
+              <a:t>=180;</a:t>
+            </a:r>
+          </a:p>
+          <a:p>
+            <a:r>
+              <a:rPr lang="en-US" sz="900" dirty="0" err="1"/>
+              <a:t>Tx</a:t>
+            </a:r>
+            <a:r>
+              <a:rPr lang="en-US" sz="900" dirty="0"/>
+              <a:t>=120;</a:t>
+            </a:r>
+          </a:p>
+          <a:p>
+            <a:endParaRPr lang="en-US" sz="900" dirty="0"/>
+          </a:p>
+          <a:p>
+            <a:r>
+              <a:rPr lang="en-US" sz="900" dirty="0" err="1"/>
+              <a:t>Hc</a:t>
+            </a:r>
+            <a:r>
+              <a:rPr lang="en-US" sz="900" dirty="0"/>
+              <a:t>=114/86400;</a:t>
+            </a:r>
+          </a:p>
+          <a:p>
+            <a:r>
+              <a:rPr lang="en-US" sz="900" dirty="0"/>
+              <a:t>Ha=1.61/86400;</a:t>
+            </a:r>
+          </a:p>
+          <a:p>
+            <a:r>
+              <a:rPr lang="en-US" sz="900" dirty="0"/>
               <a:t>%</a:t>
             </a:r>
             <a:r>
-              <a:rPr lang="en-US" sz="800" dirty="0" err="1" smtClean="0"/>
-              <a:t>PreLoadFcn</a:t>
-            </a:r>
-            <a:endParaRPr lang="en-US" sz="800" dirty="0" smtClean="0"/>
-          </a:p>
-          <a:p>
-            <a:pPr>
-              <a:lnSpc>
-                <a:spcPct val="100000"/>
-              </a:lnSpc>
-              <a:spcBef>
-                <a:spcPts val="0"/>
-              </a:spcBef>
-            </a:pPr>
-            <a:r>
-              <a:rPr lang="en-US" sz="800" dirty="0" smtClean="0"/>
-              <a:t>OAT=30</a:t>
-            </a:r>
-            <a:r>
-              <a:rPr lang="en-US" sz="800" dirty="0"/>
+              <a:rPr lang="en-US" sz="900" dirty="0" err="1"/>
+              <a:t>Hf</a:t>
+            </a:r>
+            <a:r>
+              <a:rPr lang="en-US" sz="900" dirty="0"/>
+              <a:t>=1.08/86400;</a:t>
+            </a:r>
+          </a:p>
+          <a:p>
+            <a:r>
+              <a:rPr lang="en-US" sz="900" dirty="0" err="1"/>
+              <a:t>Hf</a:t>
+            </a:r>
+            <a:r>
+              <a:rPr lang="en-US" sz="900" dirty="0"/>
+              <a:t>=1.745/86400;</a:t>
+            </a:r>
+          </a:p>
+          <a:p>
+            <a:r>
+              <a:rPr lang="en-US" sz="900" dirty="0"/>
+              <a:t>Ho=283/86400;</a:t>
+            </a:r>
+          </a:p>
+          <a:p>
+            <a:r>
+              <a:rPr lang="en-US" sz="900" dirty="0"/>
+              <a:t/>
+            </a:r>
+            <a:br>
+              <a:rPr lang="en-US" sz="900" dirty="0"/>
+            </a:br>
+            <a:r>
+              <a:rPr lang="en-US" sz="900" dirty="0" smtClean="0"/>
+              <a:t>tau=40</a:t>
+            </a:r>
+            <a:r>
+              <a:rPr lang="en-US" sz="900" dirty="0"/>
               <a:t>;</a:t>
             </a:r>
           </a:p>
           <a:p>
-            <a:pPr>
-              <a:lnSpc>
-                <a:spcPct val="100000"/>
-              </a:lnSpc>
-              <a:spcBef>
-                <a:spcPts val="0"/>
-              </a:spcBef>
-            </a:pPr>
-            <a:r>
-              <a:rPr lang="en-US" sz="800" dirty="0"/>
-              <a:t>Temp=68;</a:t>
-            </a:r>
-          </a:p>
-          <a:p>
-            <a:pPr>
-              <a:lnSpc>
-                <a:spcPct val="100000"/>
-              </a:lnSpc>
-              <a:spcBef>
-                <a:spcPts val="0"/>
-              </a:spcBef>
-            </a:pPr>
-            <a:r>
-              <a:rPr lang="en-US" sz="800" dirty="0"/>
+            <a:r>
+              <a:rPr lang="en-US" sz="900" dirty="0"/>
+              <a:t>FILTER_DELAY = 5;</a:t>
+            </a:r>
+          </a:p>
+          <a:p>
+            <a:r>
+              <a:rPr lang="en-US" sz="900" dirty="0"/>
               <a:t/>
             </a:r>
             <a:br>
-              <a:rPr lang="en-US" sz="800" dirty="0"/>
+              <a:rPr lang="en-US" sz="900" dirty="0"/>
             </a:br>
-            <a:endParaRPr lang="en-US" sz="800" dirty="0"/>
-          </a:p>
-          <a:p>
-            <a:pPr>
-              <a:lnSpc>
-                <a:spcPct val="100000"/>
-              </a:lnSpc>
-              <a:spcBef>
-                <a:spcPts val="0"/>
-              </a:spcBef>
-            </a:pPr>
-            <a:r>
-              <a:rPr lang="en-US" sz="800" dirty="0" smtClean="0"/>
-              <a:t>Rn=29;</a:t>
-            </a:r>
-          </a:p>
-          <a:p>
-            <a:pPr>
-              <a:lnSpc>
-                <a:spcPct val="100000"/>
-              </a:lnSpc>
-              <a:spcBef>
-                <a:spcPts val="0"/>
-              </a:spcBef>
-            </a:pPr>
-            <a:r>
-              <a:rPr lang="en-US" sz="800" dirty="0" smtClean="0"/>
-              <a:t>Rx=69</a:t>
-            </a:r>
-            <a:r>
-              <a:rPr lang="en-US" sz="800" dirty="0"/>
-              <a:t>;</a:t>
-            </a:r>
-          </a:p>
-          <a:p>
-            <a:pPr>
-              <a:lnSpc>
-                <a:spcPct val="100000"/>
-              </a:lnSpc>
-              <a:spcBef>
-                <a:spcPts val="0"/>
-              </a:spcBef>
-            </a:pPr>
-            <a:r>
-              <a:rPr lang="en-US" sz="800" dirty="0" err="1"/>
-              <a:t>Tn</a:t>
-            </a:r>
-            <a:r>
-              <a:rPr lang="en-US" sz="800" dirty="0"/>
-              <a:t>=180;</a:t>
-            </a:r>
-          </a:p>
-          <a:p>
-            <a:pPr>
-              <a:lnSpc>
-                <a:spcPct val="100000"/>
-              </a:lnSpc>
-              <a:spcBef>
-                <a:spcPts val="0"/>
-              </a:spcBef>
-            </a:pPr>
-            <a:r>
-              <a:rPr lang="en-US" sz="800" dirty="0" err="1"/>
-              <a:t>Tx</a:t>
-            </a:r>
-            <a:r>
-              <a:rPr lang="en-US" sz="800" dirty="0"/>
-              <a:t>=120;</a:t>
-            </a:r>
-          </a:p>
-          <a:p>
-            <a:pPr>
-              <a:lnSpc>
-                <a:spcPct val="100000"/>
-              </a:lnSpc>
-              <a:spcBef>
-                <a:spcPts val="0"/>
-              </a:spcBef>
-            </a:pPr>
-            <a:r>
-              <a:rPr lang="en-US" sz="800" dirty="0"/>
+            <a:endParaRPr lang="en-US" sz="900" dirty="0"/>
+          </a:p>
+          <a:p>
+            <a:r>
+              <a:rPr lang="en-US" sz="900" dirty="0" err="1"/>
+              <a:t>Kv</a:t>
+            </a:r>
+            <a:r>
+              <a:rPr lang="en-US" sz="900" dirty="0"/>
+              <a:t>=400; % gain in TCOMP of house control</a:t>
+            </a:r>
+          </a:p>
+          <a:p>
+            <a:r>
+              <a:rPr lang="en-US" sz="900" dirty="0"/>
+              <a:t>Kei=2e-4;</a:t>
+            </a:r>
+          </a:p>
+          <a:p>
+            <a:r>
+              <a:rPr lang="en-US" sz="900" dirty="0" err="1"/>
+              <a:t>Kep</a:t>
+            </a:r>
+            <a:r>
+              <a:rPr lang="en-US" sz="900" dirty="0"/>
+              <a:t>=1;</a:t>
+            </a:r>
+          </a:p>
+          <a:p>
+            <a:r>
+              <a:rPr lang="en-US" sz="900" dirty="0"/>
               <a:t/>
             </a:r>
             <a:br>
-              <a:rPr lang="en-US" sz="800" dirty="0"/>
+              <a:rPr lang="en-US" sz="900" dirty="0"/>
             </a:br>
-            <a:endParaRPr lang="en-US" sz="800" dirty="0"/>
-          </a:p>
-          <a:p>
-            <a:pPr>
-              <a:lnSpc>
-                <a:spcPct val="100000"/>
-              </a:lnSpc>
-              <a:spcBef>
-                <a:spcPts val="0"/>
-              </a:spcBef>
-            </a:pPr>
-            <a:r>
-              <a:rPr lang="en-US" sz="800" dirty="0" err="1"/>
-              <a:t>Hc</a:t>
-            </a:r>
-            <a:r>
-              <a:rPr lang="en-US" sz="800" dirty="0"/>
-              <a:t>=114/86400;</a:t>
-            </a:r>
-          </a:p>
-          <a:p>
-            <a:pPr>
-              <a:lnSpc>
-                <a:spcPct val="100000"/>
-              </a:lnSpc>
-              <a:spcBef>
-                <a:spcPts val="0"/>
-              </a:spcBef>
-            </a:pPr>
-            <a:r>
-              <a:rPr lang="en-US" sz="800" dirty="0"/>
-              <a:t>Ha=1.61/86400;</a:t>
-            </a:r>
-          </a:p>
-          <a:p>
-            <a:pPr>
-              <a:lnSpc>
-                <a:spcPct val="100000"/>
-              </a:lnSpc>
-              <a:spcBef>
-                <a:spcPts val="0"/>
-              </a:spcBef>
-            </a:pPr>
-            <a:r>
-              <a:rPr lang="en-US" sz="800" dirty="0"/>
-              <a:t>%</a:t>
-            </a:r>
-            <a:r>
-              <a:rPr lang="en-US" sz="800" dirty="0" err="1"/>
-              <a:t>Hf</a:t>
-            </a:r>
-            <a:r>
-              <a:rPr lang="en-US" sz="800" dirty="0"/>
-              <a:t>=1.08/86400;</a:t>
-            </a:r>
-          </a:p>
-          <a:p>
-            <a:pPr>
-              <a:lnSpc>
-                <a:spcPct val="100000"/>
-              </a:lnSpc>
-              <a:spcBef>
-                <a:spcPts val="0"/>
-              </a:spcBef>
-            </a:pPr>
-            <a:r>
-              <a:rPr lang="en-US" sz="800" dirty="0" err="1"/>
-              <a:t>Hf</a:t>
-            </a:r>
-            <a:r>
-              <a:rPr lang="en-US" sz="800" dirty="0"/>
-              <a:t>=1.745/86400;</a:t>
-            </a:r>
-          </a:p>
-          <a:p>
-            <a:pPr>
-              <a:lnSpc>
-                <a:spcPct val="100000"/>
-              </a:lnSpc>
-              <a:spcBef>
-                <a:spcPts val="0"/>
-              </a:spcBef>
-            </a:pPr>
-            <a:r>
-              <a:rPr lang="en-US" sz="800" dirty="0"/>
-              <a:t>Ho=283/86400;</a:t>
-            </a:r>
-          </a:p>
-          <a:p>
-            <a:pPr>
-              <a:lnSpc>
-                <a:spcPct val="100000"/>
-              </a:lnSpc>
-              <a:spcBef>
-                <a:spcPts val="0"/>
-              </a:spcBef>
-            </a:pPr>
-            <a:r>
-              <a:rPr lang="en-US" sz="800" dirty="0"/>
+            <a:endParaRPr lang="en-US" sz="900" dirty="0"/>
+          </a:p>
+          <a:p>
+            <a:r>
+              <a:rPr lang="en-US" sz="900" dirty="0"/>
+              <a:t>% From match to thermo20160128.xlsx</a:t>
+            </a:r>
+          </a:p>
+          <a:p>
+            <a:r>
+              <a:rPr lang="en-US" sz="900" dirty="0" err="1"/>
+              <a:t>sNoise</a:t>
+            </a:r>
+            <a:r>
+              <a:rPr lang="en-US" sz="900" dirty="0"/>
+              <a:t>=0.001;</a:t>
+            </a:r>
+          </a:p>
+          <a:p>
+            <a:r>
+              <a:rPr lang="en-US" sz="900" dirty="0"/>
+              <a:t>SET = [0 60 18861 18862; 68 62 68 68]';</a:t>
+            </a:r>
+          </a:p>
+          <a:p>
+            <a:r>
+              <a:rPr lang="en-US" sz="900" dirty="0" err="1"/>
+              <a:t>otherHeat</a:t>
+            </a:r>
+            <a:r>
+              <a:rPr lang="en-US" sz="900" dirty="0"/>
+              <a:t>=[0 1000 6000; .001 .001 .0005]';</a:t>
+            </a:r>
+          </a:p>
+          <a:p>
+            <a:r>
+              <a:rPr lang="en-US" sz="900" dirty="0" err="1"/>
+              <a:t>tFinal</a:t>
+            </a:r>
+            <a:r>
+              <a:rPr lang="en-US" sz="900" dirty="0"/>
+              <a:t> = 24132;</a:t>
+            </a:r>
+          </a:p>
+          <a:p>
+            <a:r>
+              <a:rPr lang="en-US" sz="900" dirty="0"/>
+              <a:t>Temp= 68.98;</a:t>
+            </a:r>
+          </a:p>
+          <a:p>
+            <a:r>
+              <a:rPr lang="en-US" sz="900" dirty="0"/>
               <a:t/>
             </a:r>
             <a:br>
-              <a:rPr lang="en-US" sz="800" dirty="0"/>
+              <a:rPr lang="en-US" sz="900" dirty="0"/>
             </a:br>
-            <a:endParaRPr lang="en-US" sz="800" dirty="0"/>
-          </a:p>
-          <a:p>
-            <a:pPr>
-              <a:lnSpc>
-                <a:spcPct val="100000"/>
-              </a:lnSpc>
-              <a:spcBef>
-                <a:spcPts val="0"/>
-              </a:spcBef>
-            </a:pPr>
-            <a:r>
-              <a:rPr lang="en-US" sz="800" dirty="0"/>
-              <a:t>tau=40;</a:t>
-            </a:r>
-          </a:p>
-          <a:p>
-            <a:pPr>
-              <a:lnSpc>
-                <a:spcPct val="100000"/>
-              </a:lnSpc>
-              <a:spcBef>
-                <a:spcPts val="0"/>
-              </a:spcBef>
-            </a:pPr>
-            <a:r>
-              <a:rPr lang="en-US" sz="800" dirty="0"/>
-              <a:t>FILTER_DELAY = 5;</a:t>
-            </a:r>
-          </a:p>
-          <a:p>
-            <a:pPr>
-              <a:lnSpc>
-                <a:spcPct val="100000"/>
-              </a:lnSpc>
-              <a:spcBef>
-                <a:spcPts val="0"/>
-              </a:spcBef>
-            </a:pPr>
-            <a:r>
-              <a:rPr lang="en-US" sz="800" dirty="0"/>
-              <a:t/>
-            </a:r>
-            <a:br>
-              <a:rPr lang="en-US" sz="800" dirty="0"/>
-            </a:br>
-            <a:endParaRPr lang="en-US" sz="800" dirty="0"/>
-          </a:p>
-          <a:p>
-            <a:pPr>
-              <a:lnSpc>
-                <a:spcPct val="100000"/>
-              </a:lnSpc>
-              <a:spcBef>
-                <a:spcPts val="0"/>
-              </a:spcBef>
-            </a:pPr>
-            <a:r>
-              <a:rPr lang="en-US" sz="800" dirty="0"/>
-              <a:t>K2=1;</a:t>
-            </a:r>
-          </a:p>
-          <a:p>
-            <a:pPr>
-              <a:lnSpc>
-                <a:spcPct val="100000"/>
-              </a:lnSpc>
-              <a:spcBef>
-                <a:spcPts val="0"/>
-              </a:spcBef>
-            </a:pPr>
-            <a:r>
-              <a:rPr lang="en-US" sz="800" dirty="0"/>
-              <a:t>K3=1;</a:t>
-            </a:r>
-          </a:p>
-          <a:p>
-            <a:pPr>
-              <a:lnSpc>
-                <a:spcPct val="100000"/>
-              </a:lnSpc>
-              <a:spcBef>
-                <a:spcPts val="0"/>
-              </a:spcBef>
-            </a:pPr>
-            <a:r>
-              <a:rPr lang="en-US" sz="800" dirty="0"/>
-              <a:t>Ki=1e-5;</a:t>
-            </a:r>
-          </a:p>
-          <a:p>
-            <a:pPr>
-              <a:lnSpc>
-                <a:spcPct val="100000"/>
-              </a:lnSpc>
-              <a:spcBef>
-                <a:spcPts val="0"/>
-              </a:spcBef>
-            </a:pPr>
-            <a:r>
-              <a:rPr lang="en-US" sz="800" dirty="0" err="1"/>
-              <a:t>Kp</a:t>
-            </a:r>
-            <a:r>
-              <a:rPr lang="en-US" sz="800" dirty="0"/>
-              <a:t>=2;</a:t>
-            </a:r>
-          </a:p>
-          <a:p>
-            <a:pPr>
-              <a:lnSpc>
-                <a:spcPct val="100000"/>
-              </a:lnSpc>
-              <a:spcBef>
-                <a:spcPts val="0"/>
-              </a:spcBef>
-            </a:pPr>
-            <a:r>
-              <a:rPr lang="en-US" sz="800" dirty="0" err="1"/>
-              <a:t>Kd</a:t>
-            </a:r>
-            <a:r>
-              <a:rPr lang="en-US" sz="800" dirty="0"/>
-              <a:t>=800;</a:t>
-            </a:r>
-          </a:p>
-          <a:p>
-            <a:pPr>
-              <a:lnSpc>
-                <a:spcPct val="100000"/>
-              </a:lnSpc>
-              <a:spcBef>
-                <a:spcPts val="0"/>
-              </a:spcBef>
-            </a:pPr>
-            <a:r>
-              <a:rPr lang="en-US" sz="800" dirty="0" err="1"/>
-              <a:t>Kf</a:t>
-            </a:r>
-            <a:r>
-              <a:rPr lang="en-US" sz="800" dirty="0"/>
-              <a:t>=1;</a:t>
-            </a:r>
-          </a:p>
-          <a:p>
-            <a:pPr>
-              <a:lnSpc>
-                <a:spcPct val="100000"/>
-              </a:lnSpc>
-              <a:spcBef>
-                <a:spcPts val="0"/>
-              </a:spcBef>
-            </a:pPr>
-            <a:r>
-              <a:rPr lang="en-US" sz="800" dirty="0" err="1"/>
-              <a:t>compGain</a:t>
-            </a:r>
-            <a:r>
-              <a:rPr lang="en-US" sz="800" dirty="0"/>
-              <a:t>=400; % gain in TCOMP of house control</a:t>
-            </a:r>
-          </a:p>
-          <a:p>
-            <a:pPr>
-              <a:lnSpc>
-                <a:spcPct val="100000"/>
-              </a:lnSpc>
-              <a:spcBef>
-                <a:spcPts val="0"/>
-              </a:spcBef>
-            </a:pPr>
-            <a:r>
-              <a:rPr lang="en-US" sz="800" dirty="0"/>
-              <a:t>Kei=Ki*2;</a:t>
-            </a:r>
-          </a:p>
-          <a:p>
-            <a:pPr>
-              <a:lnSpc>
-                <a:spcPct val="100000"/>
-              </a:lnSpc>
-              <a:spcBef>
-                <a:spcPts val="0"/>
-              </a:spcBef>
-            </a:pPr>
-            <a:r>
-              <a:rPr lang="en-US" sz="800" dirty="0" err="1"/>
-              <a:t>Kep</a:t>
-            </a:r>
-            <a:r>
-              <a:rPr lang="en-US" sz="800" dirty="0"/>
-              <a:t>=</a:t>
-            </a:r>
-            <a:r>
-              <a:rPr lang="en-US" sz="800" dirty="0" err="1"/>
-              <a:t>Kp</a:t>
-            </a:r>
-            <a:r>
-              <a:rPr lang="en-US" sz="800" dirty="0"/>
-              <a:t>*2;</a:t>
-            </a:r>
-          </a:p>
-          <a:p>
-            <a:pPr>
-              <a:lnSpc>
-                <a:spcPct val="100000"/>
-              </a:lnSpc>
-              <a:spcBef>
-                <a:spcPts val="0"/>
-              </a:spcBef>
-            </a:pPr>
-            <a:r>
-              <a:rPr lang="en-US" sz="800" dirty="0"/>
-              <a:t/>
-            </a:r>
-            <a:br>
-              <a:rPr lang="en-US" sz="800" dirty="0"/>
-            </a:br>
-            <a:r>
-              <a:rPr lang="en-US" sz="800" dirty="0" err="1" smtClean="0"/>
-              <a:t>Qfire</a:t>
-            </a:r>
-            <a:r>
-              <a:rPr lang="en-US" sz="800" dirty="0" smtClean="0"/>
-              <a:t>=0;</a:t>
-            </a:r>
-          </a:p>
-          <a:p>
-            <a:r>
-              <a:rPr lang="en-US" sz="800" dirty="0" smtClean="0"/>
-              <a:t>% </a:t>
-            </a:r>
-            <a:r>
-              <a:rPr lang="en-US" sz="800" dirty="0" err="1" smtClean="0"/>
-              <a:t>InitFcn</a:t>
-            </a:r>
-            <a:endParaRPr lang="en-US" sz="800" dirty="0" smtClean="0"/>
-          </a:p>
-          <a:p>
-            <a:r>
-              <a:rPr lang="en-US" sz="800" dirty="0" smtClean="0"/>
-              <a:t>Ta0=Temp</a:t>
-            </a:r>
-            <a:r>
-              <a:rPr lang="en-US" sz="800" dirty="0"/>
-              <a:t>;</a:t>
-            </a:r>
-          </a:p>
-          <a:p>
-            <a:r>
-              <a:rPr lang="en-US" sz="800" dirty="0"/>
-              <a:t>Tw0 = (Temp*Ha + OAT*Ho)/(</a:t>
-            </a:r>
-            <a:r>
-              <a:rPr lang="en-US" sz="800" dirty="0" err="1"/>
-              <a:t>Ho+Ha</a:t>
-            </a:r>
-            <a:r>
-              <a:rPr lang="en-US" sz="800" dirty="0"/>
-              <a:t>);</a:t>
-            </a:r>
-          </a:p>
-          <a:p>
-            <a:r>
-              <a:rPr lang="en-US" sz="800" dirty="0"/>
-              <a:t>Tb0=max(min(interp1([Rn Rx],[</a:t>
-            </a:r>
-            <a:r>
-              <a:rPr lang="en-US" sz="800" dirty="0" err="1"/>
-              <a:t>Tn</a:t>
-            </a:r>
-            <a:r>
-              <a:rPr lang="en-US" sz="800" dirty="0"/>
-              <a:t> </a:t>
-            </a:r>
-            <a:r>
-              <a:rPr lang="en-US" sz="800" dirty="0" err="1"/>
-              <a:t>Tx</a:t>
-            </a:r>
-            <a:r>
-              <a:rPr lang="en-US" sz="800" dirty="0"/>
-              <a:t>],OAT), </a:t>
-            </a:r>
-            <a:r>
-              <a:rPr lang="en-US" sz="800" dirty="0" err="1"/>
-              <a:t>Tn</a:t>
-            </a:r>
-            <a:r>
-              <a:rPr lang="en-US" sz="800" dirty="0"/>
-              <a:t>),</a:t>
-            </a:r>
-            <a:r>
-              <a:rPr lang="en-US" sz="800" dirty="0" err="1"/>
-              <a:t>Tx</a:t>
-            </a:r>
-            <a:r>
-              <a:rPr lang="en-US" sz="800" dirty="0"/>
-              <a:t>);</a:t>
-            </a:r>
-          </a:p>
-          <a:p>
-            <a:r>
-              <a:rPr lang="en-US" sz="800" dirty="0"/>
-              <a:t>Tc0 = ((</a:t>
-            </a:r>
-            <a:r>
-              <a:rPr lang="en-US" sz="800" dirty="0" err="1"/>
-              <a:t>Ha+Hc</a:t>
-            </a:r>
-            <a:r>
-              <a:rPr lang="en-US" sz="800" dirty="0"/>
-              <a:t>)*Ta0 - Ha*Tw0) / </a:t>
-            </a:r>
-            <a:r>
-              <a:rPr lang="en-US" sz="800" dirty="0" err="1"/>
-              <a:t>Hc</a:t>
-            </a:r>
-            <a:r>
-              <a:rPr lang="en-US" sz="800" dirty="0"/>
-              <a:t>;</a:t>
-            </a:r>
-          </a:p>
-          <a:p>
-            <a:r>
-              <a:rPr lang="en-US" sz="800" dirty="0"/>
-              <a:t>D0 =max(min( </a:t>
-            </a:r>
-            <a:r>
-              <a:rPr lang="en-US" sz="800" dirty="0" err="1"/>
-              <a:t>Hc</a:t>
-            </a:r>
-            <a:r>
-              <a:rPr lang="en-US" sz="800" dirty="0"/>
-              <a:t>*(Tc0-Ta0)/(</a:t>
-            </a:r>
-            <a:r>
-              <a:rPr lang="en-US" sz="800" dirty="0" err="1"/>
-              <a:t>Hf</a:t>
-            </a:r>
-            <a:r>
-              <a:rPr lang="en-US" sz="800" dirty="0"/>
-              <a:t>*(Tb0-Tc0)), 1), 1e-32);</a:t>
-            </a:r>
-          </a:p>
-          <a:p>
-            <a:r>
-              <a:rPr lang="en-US" sz="800" dirty="0"/>
-              <a:t/>
-            </a:r>
-            <a:br>
-              <a:rPr lang="en-US" sz="800" dirty="0"/>
-            </a:br>
-            <a:endParaRPr lang="en-US" sz="800" dirty="0"/>
-          </a:p>
-          <a:p>
-            <a:pPr>
-              <a:lnSpc>
-                <a:spcPct val="100000"/>
-              </a:lnSpc>
-              <a:spcBef>
-                <a:spcPts val="0"/>
-              </a:spcBef>
-            </a:pPr>
-            <a:r>
-              <a:rPr lang="en-US" sz="800" dirty="0"/>
-              <a:t/>
-            </a:r>
-            <a:br>
-              <a:rPr lang="en-US" sz="800" dirty="0"/>
-            </a:br>
-            <a:endParaRPr lang="en-US" sz="800" dirty="0"/>
-          </a:p>
-          <a:p>
-            <a:pPr>
-              <a:lnSpc>
-                <a:spcPct val="100000"/>
-              </a:lnSpc>
-              <a:spcBef>
-                <a:spcPts val="0"/>
-              </a:spcBef>
-            </a:pPr>
-            <a:r>
-              <a:rPr lang="en-US" sz="800" dirty="0"/>
-              <a:t/>
-            </a:r>
-            <a:br>
-              <a:rPr lang="en-US" sz="800" dirty="0"/>
-            </a:br>
-            <a:endParaRPr lang="en-US" sz="800" dirty="0"/>
-          </a:p>
-          <a:p>
-            <a:pPr>
-              <a:lnSpc>
-                <a:spcPct val="100000"/>
-              </a:lnSpc>
-              <a:spcBef>
-                <a:spcPts val="0"/>
-              </a:spcBef>
-            </a:pPr>
-            <a:r>
-              <a:rPr lang="en-US" sz="800" dirty="0"/>
-              <a:t/>
-            </a:r>
-            <a:br>
-              <a:rPr lang="en-US" sz="800" dirty="0"/>
-            </a:br>
-            <a:endParaRPr lang="en-US" sz="800" dirty="0"/>
+            <a:endParaRPr lang="en-US" sz="900" dirty="0"/>
           </a:p>
         </p:txBody>
       </p:sp>
@@ -6517,7 +4511,7 @@
       </p:grpSpPr>
       <p:pic>
         <p:nvPicPr>
-          <p:cNvPr id="789506" name="Picture 2"/>
+          <p:cNvPr id="794626" name="Picture 2"/>
           <p:cNvPicPr>
             <a:picLocks noChangeAspect="1" noChangeArrowheads="1"/>
           </p:cNvPicPr>
@@ -6538,130 +4532,8 @@
         </p:blipFill>
         <p:spPr bwMode="auto">
           <a:xfrm>
-            <a:off x="0" y="42863"/>
-            <a:ext cx="9182100" cy="6772275"/>
-          </a:xfrm>
-          <a:prstGeom prst="rect">
-            <a:avLst/>
-          </a:prstGeom>
-          <a:noFill/>
-          <a:ln>
-            <a:noFill/>
-          </a:ln>
-          <a:extLst>
-            <a:ext uri="{909E8E84-426E-40DD-AFC4-6F175D3DCCD1}">
-              <a14:hiddenFill xmlns:a14="http://schemas.microsoft.com/office/drawing/2010/main">
-                <a:solidFill>
-                  <a:schemeClr val="accent1"/>
-                </a:solidFill>
-              </a14:hiddenFill>
-            </a:ext>
-            <a:ext uri="{91240B29-F687-4F45-9708-019B960494DF}">
-              <a14:hiddenLine xmlns:a14="http://schemas.microsoft.com/office/drawing/2010/main" w="9525">
-                <a:solidFill>
-                  <a:schemeClr val="tx1"/>
-                </a:solidFill>
-                <a:miter lim="800000"/>
-                <a:headEnd/>
-                <a:tailEnd/>
-              </a14:hiddenLine>
-            </a:ext>
-          </a:extLst>
-        </p:spPr>
-      </p:pic>
-    </p:spTree>
-    <p:extLst>
-      <p:ext uri="{BB962C8B-B14F-4D97-AF65-F5344CB8AC3E}">
-        <p14:creationId xmlns:p14="http://schemas.microsoft.com/office/powerpoint/2010/main" val="488856778"/>
-      </p:ext>
-    </p:extLst>
-  </p:cSld>
-  <p:clrMapOvr>
-    <a:masterClrMapping/>
-  </p:clrMapOvr>
-</p:sld>
-</file>
-
-<file path=ppt/slides/slide7.xml><?xml version="1.0" encoding="utf-8"?>
-<p:sld xmlns:a="http://schemas.openxmlformats.org/drawingml/2006/main" xmlns:r="http://schemas.openxmlformats.org/officeDocument/2006/relationships" xmlns:p="http://schemas.openxmlformats.org/presentationml/2006/main">
-  <p:cSld>
-    <p:spTree>
-      <p:nvGrpSpPr>
-        <p:cNvPr id="1" name=""/>
-        <p:cNvGrpSpPr/>
-        <p:nvPr/>
-      </p:nvGrpSpPr>
-      <p:grpSpPr>
-        <a:xfrm>
-          <a:off x="0" y="0"/>
-          <a:ext cx="0" cy="0"/>
-          <a:chOff x="0" y="0"/>
-          <a:chExt cx="0" cy="0"/>
-        </a:xfrm>
-      </p:grpSpPr>
-      <p:sp>
-        <p:nvSpPr>
-          <p:cNvPr id="2" name="Title 1"/>
-          <p:cNvSpPr>
-            <a:spLocks noGrp="1"/>
-          </p:cNvSpPr>
-          <p:nvPr>
-            <p:ph type="title"/>
-          </p:nvPr>
-        </p:nvSpPr>
-        <p:spPr/>
-        <p:txBody>
-          <a:bodyPr/>
-          <a:lstStyle/>
-          <a:p>
-            <a:endParaRPr lang="en-US"/>
-          </a:p>
-        </p:txBody>
-      </p:sp>
-      <p:sp>
-        <p:nvSpPr>
-          <p:cNvPr id="3" name="Content Placeholder 2"/>
-          <p:cNvSpPr>
-            <a:spLocks noGrp="1"/>
-          </p:cNvSpPr>
-          <p:nvPr>
-            <p:ph idx="1"/>
-          </p:nvPr>
-        </p:nvSpPr>
-        <p:spPr/>
-        <p:txBody>
-          <a:bodyPr/>
-          <a:lstStyle/>
-          <a:p>
-            <a:endParaRPr lang="en-US"/>
-          </a:p>
-        </p:txBody>
-      </p:sp>
-      <p:pic>
-        <p:nvPicPr>
-          <p:cNvPr id="790530" name="Picture 2"/>
-          <p:cNvPicPr>
-            <a:picLocks noChangeAspect="1" noChangeArrowheads="1"/>
-          </p:cNvPicPr>
-          <p:nvPr/>
-        </p:nvPicPr>
-        <p:blipFill>
-          <a:blip r:embed="rId2">
-            <a:extLst>
-              <a:ext uri="{28A0092B-C50C-407E-A947-70E740481C1C}">
-                <a14:useLocalDpi xmlns:a14="http://schemas.microsoft.com/office/drawing/2010/main" val="0"/>
-              </a:ext>
-            </a:extLst>
-          </a:blip>
-          <a:srcRect/>
-          <a:stretch>
-            <a:fillRect/>
-          </a:stretch>
-        </p:blipFill>
-        <p:spPr bwMode="auto">
-          <a:xfrm>
-            <a:off x="0" y="0"/>
-            <a:ext cx="9801225" cy="7496175"/>
+            <a:off x="690563" y="42863"/>
+            <a:ext cx="7762875" cy="6772275"/>
           </a:xfrm>
           <a:prstGeom prst="rect">
             <a:avLst/>
@@ -6704,7 +4576,175 @@
 </p:sld>
 </file>
 
+<file path=ppt/slides/slide7.xml><?xml version="1.0" encoding="utf-8"?>
+<p:sld xmlns:a="http://schemas.openxmlformats.org/drawingml/2006/main" xmlns:r="http://schemas.openxmlformats.org/officeDocument/2006/relationships" xmlns:p="http://schemas.openxmlformats.org/presentationml/2006/main">
+  <p:cSld>
+    <p:spTree>
+      <p:nvGrpSpPr>
+        <p:cNvPr id="1" name=""/>
+        <p:cNvGrpSpPr/>
+        <p:nvPr/>
+      </p:nvGrpSpPr>
+      <p:grpSpPr>
+        <a:xfrm>
+          <a:off x="0" y="0"/>
+          <a:ext cx="0" cy="0"/>
+          <a:chOff x="0" y="0"/>
+          <a:chExt cx="0" cy="0"/>
+        </a:xfrm>
+      </p:grpSpPr>
+      <p:pic>
+        <p:nvPicPr>
+          <p:cNvPr id="793602" name="Picture 2"/>
+          <p:cNvPicPr>
+            <a:picLocks noChangeAspect="1" noChangeArrowheads="1"/>
+          </p:cNvPicPr>
+          <p:nvPr/>
+        </p:nvPicPr>
+        <p:blipFill>
+          <a:blip r:embed="rId2">
+            <a:extLst>
+              <a:ext uri="{28A0092B-C50C-407E-A947-70E740481C1C}">
+                <a14:useLocalDpi xmlns:a14="http://schemas.microsoft.com/office/drawing/2010/main" val="0"/>
+              </a:ext>
+            </a:extLst>
+          </a:blip>
+          <a:srcRect/>
+          <a:stretch>
+            <a:fillRect/>
+          </a:stretch>
+        </p:blipFill>
+        <p:spPr bwMode="auto">
+          <a:xfrm>
+            <a:off x="1515341" y="0"/>
+            <a:ext cx="6267450" cy="6888943"/>
+          </a:xfrm>
+          <a:prstGeom prst="rect">
+            <a:avLst/>
+          </a:prstGeom>
+          <a:noFill/>
+          <a:ln>
+            <a:noFill/>
+          </a:ln>
+          <a:extLst>
+            <a:ext uri="{909E8E84-426E-40DD-AFC4-6F175D3DCCD1}">
+              <a14:hiddenFill xmlns:a14="http://schemas.microsoft.com/office/drawing/2010/main">
+                <a:solidFill>
+                  <a:schemeClr val="accent1"/>
+                </a:solidFill>
+              </a14:hiddenFill>
+            </a:ext>
+            <a:ext uri="{91240B29-F687-4F45-9708-019B960494DF}">
+              <a14:hiddenLine xmlns:a14="http://schemas.microsoft.com/office/drawing/2010/main" w="9525">
+                <a:solidFill>
+                  <a:schemeClr val="tx1"/>
+                </a:solidFill>
+                <a:miter lim="800000"/>
+                <a:headEnd/>
+                <a:tailEnd/>
+              </a14:hiddenLine>
+            </a:ext>
+          </a:extLst>
+        </p:spPr>
+      </p:pic>
+    </p:spTree>
+    <p:extLst>
+      <p:ext uri="{BB962C8B-B14F-4D97-AF65-F5344CB8AC3E}">
+        <p14:creationId xmlns:p14="http://schemas.microsoft.com/office/powerpoint/2010/main" val="2839606905"/>
+      </p:ext>
+    </p:extLst>
+  </p:cSld>
+  <p:clrMapOvr>
+    <a:masterClrMapping/>
+  </p:clrMapOvr>
+</p:sld>
+</file>
+
 <file path=ppt/slides/slide8.xml><?xml version="1.0" encoding="utf-8"?>
+<p:sld xmlns:a="http://schemas.openxmlformats.org/drawingml/2006/main" xmlns:r="http://schemas.openxmlformats.org/officeDocument/2006/relationships" xmlns:p="http://schemas.openxmlformats.org/presentationml/2006/main">
+  <p:cSld>
+    <p:spTree>
+      <p:nvGrpSpPr>
+        <p:cNvPr id="1" name=""/>
+        <p:cNvGrpSpPr/>
+        <p:nvPr/>
+      </p:nvGrpSpPr>
+      <p:grpSpPr>
+        <a:xfrm>
+          <a:off x="0" y="0"/>
+          <a:ext cx="0" cy="0"/>
+          <a:chOff x="0" y="0"/>
+          <a:chExt cx="0" cy="0"/>
+        </a:xfrm>
+      </p:grpSpPr>
+      <p:pic>
+        <p:nvPicPr>
+          <p:cNvPr id="792578" name="Picture 2"/>
+          <p:cNvPicPr>
+            <a:picLocks noChangeAspect="1" noChangeArrowheads="1"/>
+          </p:cNvPicPr>
+          <p:nvPr/>
+        </p:nvPicPr>
+        <p:blipFill>
+          <a:blip r:embed="rId2">
+            <a:extLst>
+              <a:ext uri="{28A0092B-C50C-407E-A947-70E740481C1C}">
+                <a14:useLocalDpi xmlns:a14="http://schemas.microsoft.com/office/drawing/2010/main" val="0"/>
+              </a:ext>
+            </a:extLst>
+          </a:blip>
+          <a:srcRect/>
+          <a:stretch>
+            <a:fillRect/>
+          </a:stretch>
+        </p:blipFill>
+        <p:spPr bwMode="auto">
+          <a:xfrm>
+            <a:off x="690563" y="57150"/>
+            <a:ext cx="7762875" cy="6743700"/>
+          </a:xfrm>
+          <a:prstGeom prst="rect">
+            <a:avLst/>
+          </a:prstGeom>
+          <a:noFill/>
+          <a:ln>
+            <a:noFill/>
+          </a:ln>
+          <a:extLst>
+            <a:ext uri="{909E8E84-426E-40DD-AFC4-6F175D3DCCD1}">
+              <a14:hiddenFill xmlns:a14="http://schemas.microsoft.com/office/drawing/2010/main">
+                <a:solidFill>
+                  <a:schemeClr val="accent1"/>
+                </a:solidFill>
+              </a14:hiddenFill>
+            </a:ext>
+            <a:ext uri="{91240B29-F687-4F45-9708-019B960494DF}">
+              <a14:hiddenLine xmlns:a14="http://schemas.microsoft.com/office/drawing/2010/main" w="9525">
+                <a:solidFill>
+                  <a:schemeClr val="tx1"/>
+                </a:solidFill>
+                <a:miter lim="800000"/>
+                <a:headEnd/>
+                <a:tailEnd/>
+              </a14:hiddenLine>
+            </a:ext>
+          </a:extLst>
+        </p:spPr>
+      </p:pic>
+    </p:spTree>
+    <p:extLst>
+      <p:ext uri="{BB962C8B-B14F-4D97-AF65-F5344CB8AC3E}">
+        <p14:creationId xmlns:p14="http://schemas.microsoft.com/office/powerpoint/2010/main" val="467674378"/>
+      </p:ext>
+    </p:extLst>
+  </p:cSld>
+  <p:clrMapOvr>
+    <a:masterClrMapping/>
+  </p:clrMapOvr>
+</p:sld>
+</file>
+
+<file path=ppt/slides/slide9.xml><?xml version="1.0" encoding="utf-8"?>
 <p:sld xmlns:a="http://schemas.openxmlformats.org/drawingml/2006/main" xmlns:r="http://schemas.openxmlformats.org/officeDocument/2006/relationships" xmlns:p="http://schemas.openxmlformats.org/presentationml/2006/main">
   <p:cSld>
     <p:spTree>
@@ -6821,69 +4861,6 @@
   <p:clrMapOvr>
     <a:masterClrMapping/>
   </p:clrMapOvr>
-</p:sld>
-</file>
-
-<file path=ppt/slides/slide9.xml><?xml version="1.0" encoding="utf-8"?>
-<p:sld xmlns:a="http://schemas.openxmlformats.org/drawingml/2006/main" xmlns:r="http://schemas.openxmlformats.org/officeDocument/2006/relationships" xmlns:p="http://schemas.openxmlformats.org/presentationml/2006/main" showMasterSp="0">
-  <p:cSld>
-    <p:bg>
-      <p:bgPr>
-        <a:solidFill>
-          <a:schemeClr val="accent5"/>
-        </a:solidFill>
-        <a:effectLst/>
-      </p:bgPr>
-    </p:bg>
-    <p:spTree>
-      <p:nvGrpSpPr>
-        <p:cNvPr id="1" name=""/>
-        <p:cNvGrpSpPr/>
-        <p:nvPr/>
-      </p:nvGrpSpPr>
-      <p:grpSpPr>
-        <a:xfrm>
-          <a:off x="0" y="0"/>
-          <a:ext cx="0" cy="0"/>
-          <a:chOff x="0" y="0"/>
-          <a:chExt cx="0" cy="0"/>
-        </a:xfrm>
-      </p:grpSpPr>
-      <p:sp>
-        <p:nvSpPr>
-          <p:cNvPr id="663564" name="Rectangle 12"/>
-          <p:cNvSpPr>
-            <a:spLocks noGrp="1" noChangeArrowheads="1"/>
-          </p:cNvSpPr>
-          <p:nvPr>
-            <p:ph type="title"/>
-          </p:nvPr>
-        </p:nvSpPr>
-        <p:spPr/>
-        <p:txBody>
-          <a:bodyPr/>
-          <a:lstStyle/>
-          <a:p>
-            <a:r>
-              <a:rPr lang="en-US" cap="none" dirty="0"/>
-              <a:t>Use divider slides to separate different sections of your pitch</a:t>
-            </a:r>
-            <a:endParaRPr lang="en-US" dirty="0"/>
-          </a:p>
-        </p:txBody>
-      </p:sp>
-    </p:spTree>
-  </p:cSld>
-  <p:clrMapOvr>
-    <a:masterClrMapping/>
-  </p:clrMapOvr>
-  <p:timing>
-    <p:tnLst>
-      <p:par>
-        <p:cTn id="1" dur="indefinite" restart="never" nodeType="tmRoot"/>
-      </p:par>
-    </p:tnLst>
-  </p:timing>
 </p:sld>
 </file>
 
